--- a/SubnetRWAs-V2.pptx
+++ b/SubnetRWAs-V2.pptx
@@ -5,18 +5,21 @@
     <p:sldMasterId id="2147483648" r:id="rId1"/>
   </p:sldMasterIdLst>
   <p:notesMasterIdLst>
-    <p:notesMasterId r:id="rId8"/>
+    <p:notesMasterId r:id="rId11"/>
   </p:notesMasterIdLst>
   <p:handoutMasterIdLst>
-    <p:handoutMasterId r:id="rId9"/>
+    <p:handoutMasterId r:id="rId12"/>
   </p:handoutMasterIdLst>
   <p:sldIdLst>
     <p:sldId id="257" r:id="rId2"/>
-    <p:sldId id="301" r:id="rId3"/>
-    <p:sldId id="312" r:id="rId4"/>
-    <p:sldId id="300" r:id="rId5"/>
-    <p:sldId id="304" r:id="rId6"/>
-    <p:sldId id="314" r:id="rId7"/>
+    <p:sldId id="317" r:id="rId3"/>
+    <p:sldId id="316" r:id="rId4"/>
+    <p:sldId id="301" r:id="rId5"/>
+    <p:sldId id="312" r:id="rId6"/>
+    <p:sldId id="300" r:id="rId7"/>
+    <p:sldId id="304" r:id="rId8"/>
+    <p:sldId id="314" r:id="rId9"/>
+    <p:sldId id="315" r:id="rId10"/>
   </p:sldIdLst>
   <p:sldSz cx="12192000" cy="6858000"/>
   <p:notesSz cx="6858000" cy="9144000"/>
@@ -121,11 +124,14 @@
         <p14:section name="Default Section" id="{F3222584-39A4-4849-81BF-DB463E5DF098}">
           <p14:sldIdLst>
             <p14:sldId id="257"/>
+            <p14:sldId id="317"/>
+            <p14:sldId id="316"/>
             <p14:sldId id="301"/>
             <p14:sldId id="312"/>
             <p14:sldId id="300"/>
             <p14:sldId id="304"/>
             <p14:sldId id="314"/>
+            <p14:sldId id="315"/>
           </p14:sldIdLst>
         </p14:section>
       </p14:sectionLst>
@@ -245,7 +251,7 @@
           <a:p>
             <a:fld id="{23AD794A-17F4-48F7-A14F-39DCAE091952}" type="datetimeFigureOut">
               <a:rPr lang="en-US" smtClean="0"/>
-              <a:t>4/3/2024</a:t>
+              <a:t>4/4/24</a:t>
             </a:fld>
             <a:endParaRPr lang="en-US" dirty="0"/>
           </a:p>
@@ -422,7 +428,7 @@
           <a:p>
             <a:fld id="{594C6A87-CC60-415C-BFEE-13D1CAD6861A}" type="datetimeFigureOut">
               <a:rPr lang="en-US" smtClean="0"/>
-              <a:t>4/3/2024</a:t>
+              <a:t>4/4/24</a:t>
             </a:fld>
             <a:endParaRPr lang="en-US" dirty="0"/>
           </a:p>
@@ -27193,7 +27199,7 @@
           <p:cNvPr id="3" name="Title 2">
             <a:extLst>
               <a:ext uri="{FF2B5EF4-FFF2-40B4-BE49-F238E27FC236}">
-                <a16:creationId xmlns:a16="http://schemas.microsoft.com/office/drawing/2014/main" id="{D590803F-38CE-0C52-88B9-D33DADDCF695}"/>
+                <a16:creationId xmlns:a16="http://schemas.microsoft.com/office/drawing/2014/main" id="{D4493FA6-5D97-0964-F287-2D8762C8B123}"/>
               </a:ext>
             </a:extLst>
           </p:cNvPr>
@@ -27201,41 +27207,36 @@
             <a:spLocks noGrp="1"/>
           </p:cNvSpPr>
           <p:nvPr>
-            <p:ph type="ctrTitle"/>
+            <p:ph type="title"/>
           </p:nvPr>
         </p:nvSpPr>
-        <p:spPr>
-          <a:xfrm>
-            <a:off x="576494" y="11968"/>
-            <a:ext cx="4727028" cy="930591"/>
-          </a:xfrm>
-        </p:spPr>
+        <p:spPr/>
         <p:txBody>
           <a:bodyPr>
-            <a:normAutofit fontScale="90000"/>
+            <a:normAutofit/>
           </a:bodyPr>
           <a:lstStyle/>
           <a:p>
-            <a:br>
-              <a:rPr lang="en-US" sz="4800" dirty="0"/>
-            </a:br>
-            <a:br>
-              <a:rPr lang="en-US" sz="4800" dirty="0"/>
-            </a:br>
-            <a:r>
-              <a:rPr lang="en-US" sz="4800" dirty="0"/>
-              <a:t>Collateral Fraud</a:t>
-            </a:r>
-            <a:endParaRPr lang="en-IN" sz="4800" dirty="0"/>
-          </a:p>
-        </p:txBody>
-      </p:sp>
-      <p:sp>
-        <p:nvSpPr>
-          <p:cNvPr id="4" name="Subtitle 3">
-            <a:extLst>
-              <a:ext uri="{FF2B5EF4-FFF2-40B4-BE49-F238E27FC236}">
-                <a16:creationId xmlns:a16="http://schemas.microsoft.com/office/drawing/2014/main" id="{57131F5B-ADD2-9C0D-5F19-21478BF6AE9A}"/>
+            <a:r>
+              <a:rPr lang="en-US" sz="3200" dirty="0">
+                <a:latin typeface="Times New Roman" panose="02020603050405020304" pitchFamily="18" charset="0"/>
+                <a:cs typeface="Times New Roman" panose="02020603050405020304" pitchFamily="18" charset="0"/>
+              </a:rPr>
+              <a:t>Team 5</a:t>
+            </a:r>
+            <a:endParaRPr lang="en-IN" sz="3200" dirty="0">
+              <a:latin typeface="Times New Roman" panose="02020603050405020304" pitchFamily="18" charset="0"/>
+              <a:cs typeface="Times New Roman" panose="02020603050405020304" pitchFamily="18" charset="0"/>
+            </a:endParaRPr>
+          </a:p>
+        </p:txBody>
+      </p:sp>
+      <p:sp>
+        <p:nvSpPr>
+          <p:cNvPr id="2" name="Content Placeholder 1">
+            <a:extLst>
+              <a:ext uri="{FF2B5EF4-FFF2-40B4-BE49-F238E27FC236}">
+                <a16:creationId xmlns:a16="http://schemas.microsoft.com/office/drawing/2014/main" id="{15F420FD-E451-A129-04FE-2C82E22A89E8}"/>
               </a:ext>
             </a:extLst>
           </p:cNvPr>
@@ -27243,237 +27244,179 @@
             <a:spLocks noGrp="1"/>
           </p:cNvSpPr>
           <p:nvPr>
-            <p:ph type="subTitle" idx="1"/>
+            <p:ph idx="1"/>
           </p:nvPr>
         </p:nvSpPr>
-        <p:spPr>
-          <a:xfrm>
-            <a:off x="481361" y="1086339"/>
-            <a:ext cx="5776315" cy="5553000"/>
-          </a:xfrm>
-        </p:spPr>
-        <p:txBody>
-          <a:bodyPr>
-            <a:noAutofit/>
-          </a:bodyPr>
+        <p:spPr/>
+        <p:txBody>
+          <a:bodyPr/>
           <a:lstStyle/>
           <a:p>
-            <a:pPr marL="457200" indent="-457200">
-              <a:buFont typeface="Wingdings" panose="05000000000000000000" pitchFamily="2" charset="2"/>
-              <a:buChar char="Ø"/>
-            </a:pPr>
-            <a:r>
-              <a:rPr lang="en-US" sz="1800" b="0" i="0" dirty="0">
-                <a:effectLst/>
-                <a:latin typeface="Times New Roman" panose="02020603050405020304" pitchFamily="18" charset="0"/>
-                <a:cs typeface="Times New Roman" panose="02020603050405020304" pitchFamily="18" charset="0"/>
-              </a:rPr>
-              <a:t>COLLATERAL FRAUD is a type of fraud that affects Lenders</a:t>
-            </a:r>
-          </a:p>
-          <a:p>
-            <a:r>
-              <a:rPr lang="en-US" sz="1800" dirty="0">
-                <a:latin typeface="Times New Roman" panose="02020603050405020304" pitchFamily="18" charset="0"/>
-                <a:cs typeface="Times New Roman" panose="02020603050405020304" pitchFamily="18" charset="0"/>
-              </a:rPr>
-              <a:t>	</a:t>
-            </a:r>
-            <a:r>
-              <a:rPr lang="en-US" sz="1800" b="0" i="0" dirty="0">
-                <a:effectLst/>
-                <a:latin typeface="Times New Roman" panose="02020603050405020304" pitchFamily="18" charset="0"/>
-                <a:cs typeface="Times New Roman" panose="02020603050405020304" pitchFamily="18" charset="0"/>
-              </a:rPr>
-              <a:t>that involves intentional misrepresentation </a:t>
-            </a:r>
-          </a:p>
-          <a:p>
-            <a:r>
-              <a:rPr lang="en-US" sz="1800" dirty="0">
-                <a:latin typeface="Times New Roman" panose="02020603050405020304" pitchFamily="18" charset="0"/>
-                <a:cs typeface="Times New Roman" panose="02020603050405020304" pitchFamily="18" charset="0"/>
-              </a:rPr>
-              <a:t>	</a:t>
-            </a:r>
-            <a:r>
-              <a:rPr lang="en-US" sz="1800" b="0" i="0" dirty="0">
-                <a:effectLst/>
-                <a:latin typeface="Times New Roman" panose="02020603050405020304" pitchFamily="18" charset="0"/>
-                <a:cs typeface="Times New Roman" panose="02020603050405020304" pitchFamily="18" charset="0"/>
-              </a:rPr>
-              <a:t>or deceptive behavior outside of a transaction </a:t>
-            </a:r>
-          </a:p>
-          <a:p>
-            <a:r>
-              <a:rPr lang="en-US" sz="1800" b="0" i="0" dirty="0">
-                <a:effectLst/>
-                <a:latin typeface="Times New Roman" panose="02020603050405020304" pitchFamily="18" charset="0"/>
-                <a:cs typeface="Times New Roman" panose="02020603050405020304" pitchFamily="18" charset="0"/>
-              </a:rPr>
-              <a:t>	or contract, which deprives one party </a:t>
-            </a:r>
-          </a:p>
-          <a:p>
-            <a:r>
-              <a:rPr lang="en-US" sz="1800" b="0" i="0" dirty="0">
-                <a:effectLst/>
-                <a:latin typeface="Times New Roman" panose="02020603050405020304" pitchFamily="18" charset="0"/>
-                <a:cs typeface="Times New Roman" panose="02020603050405020304" pitchFamily="18" charset="0"/>
-              </a:rPr>
-              <a:t>	of informed consent or full participation.</a:t>
-            </a:r>
-          </a:p>
-          <a:p>
-            <a:pPr marL="342900" indent="-342900">
-              <a:buFont typeface="Wingdings" panose="05000000000000000000" pitchFamily="2" charset="2"/>
-              <a:buChar char="Ø"/>
-            </a:pPr>
-            <a:r>
-              <a:rPr lang="en-US" sz="1800" b="0" i="0" dirty="0">
-                <a:effectLst/>
-                <a:latin typeface="Times New Roman" panose="02020603050405020304" pitchFamily="18" charset="0"/>
-                <a:cs typeface="Times New Roman" panose="02020603050405020304" pitchFamily="18" charset="0"/>
-              </a:rPr>
-              <a:t>COLLATERAL FRAUD continues to affect lenders across the globe.</a:t>
-            </a:r>
-          </a:p>
-          <a:p>
-            <a:pPr marL="342900" indent="-342900">
-              <a:buFont typeface="Wingdings" panose="05000000000000000000" pitchFamily="2" charset="2"/>
-              <a:buChar char="Ø"/>
-            </a:pPr>
-            <a:r>
-              <a:rPr lang="en-US" sz="1800" dirty="0">
-                <a:latin typeface="Times New Roman" panose="02020603050405020304" pitchFamily="18" charset="0"/>
-                <a:cs typeface="Times New Roman" panose="02020603050405020304" pitchFamily="18" charset="0"/>
-              </a:rPr>
-              <a:t>Current Defi Loans are OVER COLLATERALIZED crypto native loans</a:t>
-            </a:r>
-          </a:p>
-          <a:p>
-            <a:pPr marL="342900" indent="-342900">
-              <a:buFont typeface="Wingdings" panose="05000000000000000000" pitchFamily="2" charset="2"/>
-              <a:buChar char="Ø"/>
-            </a:pPr>
-            <a:r>
-              <a:rPr lang="en-US" sz="1800" dirty="0">
-                <a:latin typeface="Times New Roman" panose="02020603050405020304" pitchFamily="18" charset="0"/>
-                <a:cs typeface="Times New Roman" panose="02020603050405020304" pitchFamily="18" charset="0"/>
-              </a:rPr>
-              <a:t>HOWEVER, for larger adoption of blockchain  Enterprise Grade Loans need capabilities for </a:t>
-            </a:r>
-          </a:p>
-          <a:p>
-            <a:r>
-              <a:rPr lang="en-US" sz="1800" dirty="0">
-                <a:solidFill>
-                  <a:srgbClr val="FFFF00"/>
-                </a:solidFill>
-                <a:latin typeface="Times New Roman" panose="02020603050405020304" pitchFamily="18" charset="0"/>
-                <a:cs typeface="Times New Roman" panose="02020603050405020304" pitchFamily="18" charset="0"/>
-              </a:rPr>
-              <a:t> </a:t>
-            </a:r>
-            <a:r>
-              <a:rPr lang="en-US" sz="1800" b="1" dirty="0">
-                <a:solidFill>
-                  <a:srgbClr val="FFFF00"/>
-                </a:solidFill>
-                <a:latin typeface="Times New Roman" panose="02020603050405020304" pitchFamily="18" charset="0"/>
-                <a:cs typeface="Times New Roman" panose="02020603050405020304" pitchFamily="18" charset="0"/>
-              </a:rPr>
-              <a:t>       Real World Assets for Property Collaterals for </a:t>
-            </a:r>
-          </a:p>
-          <a:p>
-            <a:r>
-              <a:rPr lang="en-US" sz="1800" b="1" dirty="0">
-                <a:solidFill>
-                  <a:srgbClr val="FFFF00"/>
-                </a:solidFill>
-                <a:latin typeface="Times New Roman" panose="02020603050405020304" pitchFamily="18" charset="0"/>
-                <a:cs typeface="Times New Roman" panose="02020603050405020304" pitchFamily="18" charset="0"/>
-              </a:rPr>
-              <a:t> 	Authenticity and double-spending</a:t>
-            </a:r>
-          </a:p>
-          <a:p>
-            <a:r>
-              <a:rPr lang="en-US" sz="1800" b="1" dirty="0">
-                <a:solidFill>
-                  <a:srgbClr val="FFFF00"/>
-                </a:solidFill>
-                <a:latin typeface="Times New Roman" panose="02020603050405020304" pitchFamily="18" charset="0"/>
-                <a:cs typeface="Times New Roman" panose="02020603050405020304" pitchFamily="18" charset="0"/>
-              </a:rPr>
-              <a:t>        The Institutions would need to operate in SUBNETs </a:t>
-            </a:r>
-          </a:p>
-          <a:p>
-            <a:r>
-              <a:rPr lang="en-US" sz="1800" b="1" dirty="0">
-                <a:solidFill>
-                  <a:srgbClr val="FFFF00"/>
-                </a:solidFill>
-                <a:latin typeface="Times New Roman" panose="02020603050405020304" pitchFamily="18" charset="0"/>
-                <a:cs typeface="Times New Roman" panose="02020603050405020304" pitchFamily="18" charset="0"/>
-              </a:rPr>
-              <a:t>	for data privacy, data integrity, and protection</a:t>
-            </a:r>
-          </a:p>
-          <a:p>
-            <a:r>
-              <a:rPr lang="en-US" sz="1800" b="1" dirty="0">
-                <a:solidFill>
-                  <a:srgbClr val="FFFF00"/>
-                </a:solidFill>
-                <a:latin typeface="Times New Roman" panose="02020603050405020304" pitchFamily="18" charset="0"/>
-                <a:cs typeface="Times New Roman" panose="02020603050405020304" pitchFamily="18" charset="0"/>
-              </a:rPr>
-              <a:t>	</a:t>
-            </a:r>
-          </a:p>
-          <a:p>
-            <a:endParaRPr lang="en-IN" sz="1800" dirty="0"/>
-          </a:p>
-        </p:txBody>
-      </p:sp>
-      <p:pic>
-        <p:nvPicPr>
-          <p:cNvPr id="2" name="Picture 1">
-            <a:extLst>
-              <a:ext uri="{FF2B5EF4-FFF2-40B4-BE49-F238E27FC236}">
-                <a16:creationId xmlns:a16="http://schemas.microsoft.com/office/drawing/2014/main" id="{CEEEEA3B-556F-0BCE-7853-A5084D9B0615}"/>
-              </a:ext>
-            </a:extLst>
-          </p:cNvPr>
-          <p:cNvPicPr>
-            <a:picLocks noChangeAspect="1"/>
-          </p:cNvPicPr>
+            <a:r>
+              <a:rPr lang="en-US" dirty="0"/>
+              <a:t>Ayomide</a:t>
+            </a:r>
+          </a:p>
+          <a:p>
+            <a:r>
+              <a:rPr lang="en-US" dirty="0"/>
+              <a:t>Paloma </a:t>
+            </a:r>
+          </a:p>
+          <a:p>
+            <a:r>
+              <a:rPr lang="en-US" dirty="0"/>
+              <a:t>Richard</a:t>
+            </a:r>
+          </a:p>
+          <a:p>
+            <a:r>
+              <a:rPr lang="en-US" dirty="0"/>
+              <a:t>Sathya</a:t>
+            </a:r>
+          </a:p>
+          <a:p>
+            <a:r>
+              <a:rPr lang="en-US" dirty="0"/>
+              <a:t>Sami</a:t>
+            </a:r>
+          </a:p>
+        </p:txBody>
+      </p:sp>
+      <p:sp>
+        <p:nvSpPr>
+          <p:cNvPr id="6" name="Slide Number Placeholder 3">
+            <a:extLst>
+              <a:ext uri="{FF2B5EF4-FFF2-40B4-BE49-F238E27FC236}">
+                <a16:creationId xmlns:a16="http://schemas.microsoft.com/office/drawing/2014/main" id="{D0F1D0C3-A64C-8754-4076-529AA6D8A149}"/>
+              </a:ext>
+            </a:extLst>
+          </p:cNvPr>
+          <p:cNvSpPr txBox="1">
+            <a:spLocks/>
+          </p:cNvSpPr>
           <p:nvPr/>
-        </p:nvPicPr>
-        <p:blipFill>
-          <a:blip r:embed="rId2"/>
-          <a:stretch>
-            <a:fillRect/>
-          </a:stretch>
-        </p:blipFill>
-        <p:spPr>
-          <a:xfrm>
-            <a:off x="6338450" y="747423"/>
-            <a:ext cx="5703381" cy="5703381"/>
+        </p:nvSpPr>
+        <p:spPr>
+          <a:xfrm>
+            <a:off x="6946900" y="5697807"/>
+            <a:ext cx="252852" cy="179666"/>
           </a:xfrm>
           <a:prstGeom prst="rect">
             <a:avLst/>
           </a:prstGeom>
         </p:spPr>
-      </p:pic>
+        <p:txBody>
+          <a:bodyPr/>
+          <a:lstStyle>
+            <a:defPPr>
+              <a:defRPr lang="en-US"/>
+            </a:defPPr>
+            <a:lvl1pPr marL="0" algn="l" defTabSz="914400" rtl="0" eaLnBrk="1" latinLnBrk="0" hangingPunct="1">
+              <a:defRPr sz="1800" kern="1200">
+                <a:solidFill>
+                  <a:schemeClr val="tx1"/>
+                </a:solidFill>
+                <a:latin typeface="+mn-lt"/>
+                <a:ea typeface="+mn-ea"/>
+                <a:cs typeface="+mn-cs"/>
+              </a:defRPr>
+            </a:lvl1pPr>
+            <a:lvl2pPr marL="457200" algn="l" defTabSz="914400" rtl="0" eaLnBrk="1" latinLnBrk="0" hangingPunct="1">
+              <a:defRPr sz="1800" kern="1200">
+                <a:solidFill>
+                  <a:schemeClr val="tx1"/>
+                </a:solidFill>
+                <a:latin typeface="+mn-lt"/>
+                <a:ea typeface="+mn-ea"/>
+                <a:cs typeface="+mn-cs"/>
+              </a:defRPr>
+            </a:lvl2pPr>
+            <a:lvl3pPr marL="914400" algn="l" defTabSz="914400" rtl="0" eaLnBrk="1" latinLnBrk="0" hangingPunct="1">
+              <a:defRPr sz="1800" kern="1200">
+                <a:solidFill>
+                  <a:schemeClr val="tx1"/>
+                </a:solidFill>
+                <a:latin typeface="+mn-lt"/>
+                <a:ea typeface="+mn-ea"/>
+                <a:cs typeface="+mn-cs"/>
+              </a:defRPr>
+            </a:lvl3pPr>
+            <a:lvl4pPr marL="1371600" algn="l" defTabSz="914400" rtl="0" eaLnBrk="1" latinLnBrk="0" hangingPunct="1">
+              <a:defRPr sz="1800" kern="1200">
+                <a:solidFill>
+                  <a:schemeClr val="tx1"/>
+                </a:solidFill>
+                <a:latin typeface="+mn-lt"/>
+                <a:ea typeface="+mn-ea"/>
+                <a:cs typeface="+mn-cs"/>
+              </a:defRPr>
+            </a:lvl4pPr>
+            <a:lvl5pPr marL="1828800" algn="l" defTabSz="914400" rtl="0" eaLnBrk="1" latinLnBrk="0" hangingPunct="1">
+              <a:defRPr sz="1800" kern="1200">
+                <a:solidFill>
+                  <a:schemeClr val="tx1"/>
+                </a:solidFill>
+                <a:latin typeface="+mn-lt"/>
+                <a:ea typeface="+mn-ea"/>
+                <a:cs typeface="+mn-cs"/>
+              </a:defRPr>
+            </a:lvl5pPr>
+            <a:lvl6pPr marL="2286000" algn="l" defTabSz="914400" rtl="0" eaLnBrk="1" latinLnBrk="0" hangingPunct="1">
+              <a:defRPr sz="1800" kern="1200">
+                <a:solidFill>
+                  <a:schemeClr val="tx1"/>
+                </a:solidFill>
+                <a:latin typeface="+mn-lt"/>
+                <a:ea typeface="+mn-ea"/>
+                <a:cs typeface="+mn-cs"/>
+              </a:defRPr>
+            </a:lvl6pPr>
+            <a:lvl7pPr marL="2743200" algn="l" defTabSz="914400" rtl="0" eaLnBrk="1" latinLnBrk="0" hangingPunct="1">
+              <a:defRPr sz="1800" kern="1200">
+                <a:solidFill>
+                  <a:schemeClr val="tx1"/>
+                </a:solidFill>
+                <a:latin typeface="+mn-lt"/>
+                <a:ea typeface="+mn-ea"/>
+                <a:cs typeface="+mn-cs"/>
+              </a:defRPr>
+            </a:lvl7pPr>
+            <a:lvl8pPr marL="3200400" algn="l" defTabSz="914400" rtl="0" eaLnBrk="1" latinLnBrk="0" hangingPunct="1">
+              <a:defRPr sz="1800" kern="1200">
+                <a:solidFill>
+                  <a:schemeClr val="tx1"/>
+                </a:solidFill>
+                <a:latin typeface="+mn-lt"/>
+                <a:ea typeface="+mn-ea"/>
+                <a:cs typeface="+mn-cs"/>
+              </a:defRPr>
+            </a:lvl8pPr>
+            <a:lvl9pPr marL="3657600" algn="l" defTabSz="914400" rtl="0" eaLnBrk="1" latinLnBrk="0" hangingPunct="1">
+              <a:defRPr sz="1800" kern="1200">
+                <a:solidFill>
+                  <a:schemeClr val="tx1"/>
+                </a:solidFill>
+                <a:latin typeface="+mn-lt"/>
+                <a:ea typeface="+mn-ea"/>
+                <a:cs typeface="+mn-cs"/>
+              </a:defRPr>
+            </a:lvl9pPr>
+          </a:lstStyle>
+          <a:p>
+            <a:fld id="{03DC2DEF-D2FE-4B45-ABA4-9F153FD1C98A}" type="slidenum">
+              <a:rPr lang="en-US" sz="1100" smtClean="0"/>
+              <a:pPr/>
+              <a:t>2</a:t>
+            </a:fld>
+            <a:endParaRPr lang="en-US" sz="1100" dirty="0"/>
+          </a:p>
+        </p:txBody>
+      </p:sp>
     </p:spTree>
     <p:extLst>
       <p:ext uri="{BB962C8B-B14F-4D97-AF65-F5344CB8AC3E}">
-        <p14:creationId xmlns:p14="http://schemas.microsoft.com/office/powerpoint/2010/main" val="2785603965"/>
+        <p14:creationId xmlns:p14="http://schemas.microsoft.com/office/powerpoint/2010/main" val="807489346"/>
       </p:ext>
     </p:extLst>
   </p:cSld>
@@ -27502,10 +27445,10 @@
       </p:grpSpPr>
       <p:sp>
         <p:nvSpPr>
-          <p:cNvPr id="5" name="Slide Number Placeholder 4">
-            <a:extLst>
-              <a:ext uri="{FF2B5EF4-FFF2-40B4-BE49-F238E27FC236}">
-                <a16:creationId xmlns:a16="http://schemas.microsoft.com/office/drawing/2014/main" id="{B10926D6-BC9E-A44A-BC69-3A3C1068E56A}"/>
+          <p:cNvPr id="3" name="Title 2">
+            <a:extLst>
+              <a:ext uri="{FF2B5EF4-FFF2-40B4-BE49-F238E27FC236}">
+                <a16:creationId xmlns:a16="http://schemas.microsoft.com/office/drawing/2014/main" id="{D4493FA6-5D97-0964-F287-2D8762C8B123}"/>
               </a:ext>
             </a:extLst>
           </p:cNvPr>
@@ -27513,94 +27456,178 @@
             <a:spLocks noGrp="1"/>
           </p:cNvSpPr>
           <p:nvPr>
-            <p:ph type="sldNum" sz="quarter" idx="12"/>
+            <p:ph type="ctrTitle"/>
           </p:nvPr>
         </p:nvSpPr>
-        <p:spPr/>
-        <p:txBody>
-          <a:bodyPr/>
+        <p:spPr>
+          <a:xfrm>
+            <a:off x="564754" y="57217"/>
+            <a:ext cx="6183916" cy="791841"/>
+          </a:xfrm>
+        </p:spPr>
+        <p:txBody>
+          <a:bodyPr>
+            <a:normAutofit fontScale="90000"/>
+          </a:bodyPr>
           <a:lstStyle/>
           <a:p>
-            <a:fld id="{03DC2DEF-D2FE-4B45-ABA4-9F153FD1C98A}" type="slidenum">
-              <a:rPr lang="en-US" smtClean="0"/>
-              <a:t>3</a:t>
-            </a:fld>
-            <a:endParaRPr lang="en-US" dirty="0"/>
-          </a:p>
-        </p:txBody>
-      </p:sp>
-      <p:sp>
-        <p:nvSpPr>
-          <p:cNvPr id="14" name="Content Placeholder 13">
-            <a:extLst>
-              <a:ext uri="{FF2B5EF4-FFF2-40B4-BE49-F238E27FC236}">
-                <a16:creationId xmlns:a16="http://schemas.microsoft.com/office/drawing/2014/main" id="{3841F257-8444-E467-D8BD-01191BF0EFD9}"/>
-              </a:ext>
-            </a:extLst>
-          </p:cNvPr>
-          <p:cNvSpPr>
-            <a:spLocks noGrp="1"/>
-          </p:cNvSpPr>
-          <p:nvPr>
-            <p:ph sz="half" idx="2"/>
-          </p:nvPr>
-        </p:nvSpPr>
-        <p:spPr/>
-        <p:txBody>
-          <a:bodyPr/>
-          <a:lstStyle/>
-          <a:p>
-            <a:pPr marL="0" indent="0">
-              <a:buNone/>
-            </a:pPr>
-            <a:r>
-              <a:rPr lang="en-US" b="0" i="0" dirty="0">
-                <a:effectLst/>
+            <a:r>
+              <a:rPr lang="en-US" sz="3200" dirty="0">
                 <a:latin typeface="Times New Roman" panose="02020603050405020304" pitchFamily="18" charset="0"/>
                 <a:cs typeface="Times New Roman" panose="02020603050405020304" pitchFamily="18" charset="0"/>
               </a:rPr>
-              <a:t>"While small value card/internet frauds contributed the maximum to the number of frauds reported by the private sector banks, the frauds in public sector banks were mainly in the loan portfolio," the RBI </a:t>
-            </a:r>
-            <a:endParaRPr lang="en-IN" b="0" i="0" dirty="0">
-              <a:effectLst/>
+              <a:t>The basic idea – the holy grain of collateralized lending, but on-chain</a:t>
+            </a:r>
+            <a:endParaRPr lang="en-IN" sz="3200" dirty="0">
               <a:latin typeface="Times New Roman" panose="02020603050405020304" pitchFamily="18" charset="0"/>
               <a:cs typeface="Times New Roman" panose="02020603050405020304" pitchFamily="18" charset="0"/>
             </a:endParaRPr>
           </a:p>
-          <a:p>
-            <a:pPr marL="0" indent="0">
-              <a:buNone/>
-            </a:pPr>
-            <a:r>
-              <a:rPr lang="en-US" b="0" i="0" dirty="0">
-                <a:effectLst/>
-                <a:latin typeface="Times New Roman" panose="02020603050405020304" pitchFamily="18" charset="0"/>
-                <a:cs typeface="Times New Roman" panose="02020603050405020304" pitchFamily="18" charset="0"/>
-              </a:rPr>
-              <a:t>As per the data, 95 percent or Rs 28,792 crore of the total Rs 30,252 crore was reported in cases related to loans (advances).</a:t>
-            </a:r>
-            <a:endParaRPr lang="en-IN" dirty="0">
-              <a:latin typeface="Times New Roman" panose="02020603050405020304" pitchFamily="18" charset="0"/>
-              <a:cs typeface="Times New Roman" panose="02020603050405020304" pitchFamily="18" charset="0"/>
-            </a:endParaRPr>
+        </p:txBody>
+      </p:sp>
+      <p:sp>
+        <p:nvSpPr>
+          <p:cNvPr id="6" name="Slide Number Placeholder 3">
+            <a:extLst>
+              <a:ext uri="{FF2B5EF4-FFF2-40B4-BE49-F238E27FC236}">
+                <a16:creationId xmlns:a16="http://schemas.microsoft.com/office/drawing/2014/main" id="{D0F1D0C3-A64C-8754-4076-529AA6D8A149}"/>
+              </a:ext>
+            </a:extLst>
+          </p:cNvPr>
+          <p:cNvSpPr txBox="1">
+            <a:spLocks/>
+          </p:cNvSpPr>
+          <p:nvPr/>
+        </p:nvSpPr>
+        <p:spPr>
+          <a:xfrm>
+            <a:off x="6946900" y="5697807"/>
+            <a:ext cx="252852" cy="179666"/>
+          </a:xfrm>
+          <a:prstGeom prst="rect">
+            <a:avLst/>
+          </a:prstGeom>
+        </p:spPr>
+        <p:txBody>
+          <a:bodyPr/>
+          <a:lstStyle>
+            <a:defPPr>
+              <a:defRPr lang="en-US"/>
+            </a:defPPr>
+            <a:lvl1pPr marL="0" algn="l" defTabSz="914400" rtl="0" eaLnBrk="1" latinLnBrk="0" hangingPunct="1">
+              <a:defRPr sz="1800" kern="1200">
+                <a:solidFill>
+                  <a:schemeClr val="tx1"/>
+                </a:solidFill>
+                <a:latin typeface="+mn-lt"/>
+                <a:ea typeface="+mn-ea"/>
+                <a:cs typeface="+mn-cs"/>
+              </a:defRPr>
+            </a:lvl1pPr>
+            <a:lvl2pPr marL="457200" algn="l" defTabSz="914400" rtl="0" eaLnBrk="1" latinLnBrk="0" hangingPunct="1">
+              <a:defRPr sz="1800" kern="1200">
+                <a:solidFill>
+                  <a:schemeClr val="tx1"/>
+                </a:solidFill>
+                <a:latin typeface="+mn-lt"/>
+                <a:ea typeface="+mn-ea"/>
+                <a:cs typeface="+mn-cs"/>
+              </a:defRPr>
+            </a:lvl2pPr>
+            <a:lvl3pPr marL="914400" algn="l" defTabSz="914400" rtl="0" eaLnBrk="1" latinLnBrk="0" hangingPunct="1">
+              <a:defRPr sz="1800" kern="1200">
+                <a:solidFill>
+                  <a:schemeClr val="tx1"/>
+                </a:solidFill>
+                <a:latin typeface="+mn-lt"/>
+                <a:ea typeface="+mn-ea"/>
+                <a:cs typeface="+mn-cs"/>
+              </a:defRPr>
+            </a:lvl3pPr>
+            <a:lvl4pPr marL="1371600" algn="l" defTabSz="914400" rtl="0" eaLnBrk="1" latinLnBrk="0" hangingPunct="1">
+              <a:defRPr sz="1800" kern="1200">
+                <a:solidFill>
+                  <a:schemeClr val="tx1"/>
+                </a:solidFill>
+                <a:latin typeface="+mn-lt"/>
+                <a:ea typeface="+mn-ea"/>
+                <a:cs typeface="+mn-cs"/>
+              </a:defRPr>
+            </a:lvl4pPr>
+            <a:lvl5pPr marL="1828800" algn="l" defTabSz="914400" rtl="0" eaLnBrk="1" latinLnBrk="0" hangingPunct="1">
+              <a:defRPr sz="1800" kern="1200">
+                <a:solidFill>
+                  <a:schemeClr val="tx1"/>
+                </a:solidFill>
+                <a:latin typeface="+mn-lt"/>
+                <a:ea typeface="+mn-ea"/>
+                <a:cs typeface="+mn-cs"/>
+              </a:defRPr>
+            </a:lvl5pPr>
+            <a:lvl6pPr marL="2286000" algn="l" defTabSz="914400" rtl="0" eaLnBrk="1" latinLnBrk="0" hangingPunct="1">
+              <a:defRPr sz="1800" kern="1200">
+                <a:solidFill>
+                  <a:schemeClr val="tx1"/>
+                </a:solidFill>
+                <a:latin typeface="+mn-lt"/>
+                <a:ea typeface="+mn-ea"/>
+                <a:cs typeface="+mn-cs"/>
+              </a:defRPr>
+            </a:lvl6pPr>
+            <a:lvl7pPr marL="2743200" algn="l" defTabSz="914400" rtl="0" eaLnBrk="1" latinLnBrk="0" hangingPunct="1">
+              <a:defRPr sz="1800" kern="1200">
+                <a:solidFill>
+                  <a:schemeClr val="tx1"/>
+                </a:solidFill>
+                <a:latin typeface="+mn-lt"/>
+                <a:ea typeface="+mn-ea"/>
+                <a:cs typeface="+mn-cs"/>
+              </a:defRPr>
+            </a:lvl7pPr>
+            <a:lvl8pPr marL="3200400" algn="l" defTabSz="914400" rtl="0" eaLnBrk="1" latinLnBrk="0" hangingPunct="1">
+              <a:defRPr sz="1800" kern="1200">
+                <a:solidFill>
+                  <a:schemeClr val="tx1"/>
+                </a:solidFill>
+                <a:latin typeface="+mn-lt"/>
+                <a:ea typeface="+mn-ea"/>
+                <a:cs typeface="+mn-cs"/>
+              </a:defRPr>
+            </a:lvl8pPr>
+            <a:lvl9pPr marL="3657600" algn="l" defTabSz="914400" rtl="0" eaLnBrk="1" latinLnBrk="0" hangingPunct="1">
+              <a:defRPr sz="1800" kern="1200">
+                <a:solidFill>
+                  <a:schemeClr val="tx1"/>
+                </a:solidFill>
+                <a:latin typeface="+mn-lt"/>
+                <a:ea typeface="+mn-ea"/>
+                <a:cs typeface="+mn-cs"/>
+              </a:defRPr>
+            </a:lvl9pPr>
+          </a:lstStyle>
+          <a:p>
+            <a:fld id="{03DC2DEF-D2FE-4B45-ABA4-9F153FD1C98A}" type="slidenum">
+              <a:rPr lang="en-US" sz="1100" smtClean="0"/>
+              <a:pPr/>
+              <a:t>3</a:t>
+            </a:fld>
+            <a:endParaRPr lang="en-US" sz="1100" dirty="0"/>
           </a:p>
         </p:txBody>
       </p:sp>
       <p:pic>
         <p:nvPicPr>
-          <p:cNvPr id="28" name="Content Placeholder 27">
-            <a:extLst>
-              <a:ext uri="{FF2B5EF4-FFF2-40B4-BE49-F238E27FC236}">
-                <a16:creationId xmlns:a16="http://schemas.microsoft.com/office/drawing/2014/main" id="{21A7EB55-F1B9-43CB-3298-77AF172E0BA0}"/>
+          <p:cNvPr id="4" name="Picture 3" descr="A diagram of a loan&#10;&#10;Description automatically generated">
+            <a:extLst>
+              <a:ext uri="{FF2B5EF4-FFF2-40B4-BE49-F238E27FC236}">
+                <a16:creationId xmlns:a16="http://schemas.microsoft.com/office/drawing/2014/main" id="{E283928E-AFAA-989F-7CDF-1E13A53A85D6}"/>
               </a:ext>
             </a:extLst>
           </p:cNvPr>
           <p:cNvPicPr>
-            <a:picLocks noGrp="1" noChangeAspect="1"/>
+            <a:picLocks noChangeAspect="1"/>
           </p:cNvPicPr>
-          <p:nvPr>
-            <p:ph sz="half" idx="1"/>
-          </p:nvPr>
+          <p:nvPr/>
         </p:nvPicPr>
         <p:blipFill>
           <a:blip r:embed="rId2"/>
@@ -27610,220 +27637,18 @@
         </p:blipFill>
         <p:spPr>
           <a:xfrm>
-            <a:off x="3898900" y="1290320"/>
-            <a:ext cx="4394200" cy="4907280"/>
-          </a:xfrm>
-        </p:spPr>
-      </p:pic>
-      <p:sp>
-        <p:nvSpPr>
-          <p:cNvPr id="30" name="TextBox 29">
-            <a:extLst>
-              <a:ext uri="{FF2B5EF4-FFF2-40B4-BE49-F238E27FC236}">
-                <a16:creationId xmlns:a16="http://schemas.microsoft.com/office/drawing/2014/main" id="{008BDBDF-1D3C-8D6C-32F5-E652F128B660}"/>
-              </a:ext>
-            </a:extLst>
-          </p:cNvPr>
-          <p:cNvSpPr txBox="1"/>
-          <p:nvPr/>
-        </p:nvSpPr>
-        <p:spPr>
-          <a:xfrm>
-            <a:off x="562358" y="1783695"/>
-            <a:ext cx="2993642" cy="2862322"/>
+            <a:off x="2295939" y="1576680"/>
+            <a:ext cx="7772400" cy="4121127"/>
           </a:xfrm>
           <a:prstGeom prst="rect">
             <a:avLst/>
           </a:prstGeom>
-          <a:noFill/>
-        </p:spPr>
-        <p:txBody>
-          <a:bodyPr wrap="square">
-            <a:spAutoFit/>
-          </a:bodyPr>
-          <a:lstStyle/>
-          <a:p>
-            <a:r>
-              <a:rPr lang="en-US" b="0" i="0" dirty="0">
-                <a:solidFill>
-                  <a:schemeClr val="bg1"/>
-                </a:solidFill>
-                <a:effectLst/>
-                <a:latin typeface="Times New Roman" panose="02020603050405020304" pitchFamily="18" charset="0"/>
-                <a:cs typeface="Times New Roman" panose="02020603050405020304" pitchFamily="18" charset="0"/>
-              </a:rPr>
-              <a:t>Projected to reach a global market value of more than </a:t>
-            </a:r>
-            <a:r>
-              <a:rPr lang="en-US" b="0" i="0" u="none" strike="noStrike" dirty="0">
-                <a:solidFill>
-                  <a:schemeClr val="bg1"/>
-                </a:solidFill>
-                <a:effectLst/>
-                <a:latin typeface="Times New Roman" panose="02020603050405020304" pitchFamily="18" charset="0"/>
-                <a:cs typeface="Times New Roman" panose="02020603050405020304" pitchFamily="18" charset="0"/>
-                <a:hlinkClick r:id="rId3">
-                  <a:extLst>
-                    <a:ext uri="{A12FA001-AC4F-418D-AE19-62706E023703}">
-                      <ahyp:hlinkClr xmlns:ahyp="http://schemas.microsoft.com/office/drawing/2018/hyperlinkcolor" val="tx"/>
-                    </a:ext>
-                  </a:extLst>
-                </a:hlinkClick>
-              </a:rPr>
-              <a:t>$12.5B by 2026</a:t>
-            </a:r>
-            <a:r>
-              <a:rPr lang="en-US" b="0" i="0" dirty="0">
-                <a:solidFill>
-                  <a:schemeClr val="bg1"/>
-                </a:solidFill>
-                <a:effectLst/>
-                <a:latin typeface="Times New Roman" panose="02020603050405020304" pitchFamily="18" charset="0"/>
-                <a:cs typeface="Times New Roman" panose="02020603050405020304" pitchFamily="18" charset="0"/>
-              </a:rPr>
-              <a:t>, lending is one of the largest industries within the financial sector.</a:t>
-            </a:r>
-            <a:br>
-              <a:rPr lang="en-US" b="0" i="0" dirty="0">
-                <a:solidFill>
-                  <a:schemeClr val="bg1"/>
-                </a:solidFill>
-                <a:effectLst/>
-                <a:latin typeface="Times New Roman" panose="02020603050405020304" pitchFamily="18" charset="0"/>
-                <a:cs typeface="Times New Roman" panose="02020603050405020304" pitchFamily="18" charset="0"/>
-              </a:rPr>
-            </a:br>
-            <a:br>
-              <a:rPr lang="en-US" b="0" i="0" dirty="0">
-                <a:solidFill>
-                  <a:schemeClr val="bg1"/>
-                </a:solidFill>
-                <a:effectLst/>
-                <a:latin typeface="Times New Roman" panose="02020603050405020304" pitchFamily="18" charset="0"/>
-                <a:cs typeface="Times New Roman" panose="02020603050405020304" pitchFamily="18" charset="0"/>
-              </a:rPr>
-            </a:br>
-            <a:r>
-              <a:rPr lang="en-US" b="0" i="0" dirty="0">
-                <a:solidFill>
-                  <a:schemeClr val="bg1"/>
-                </a:solidFill>
-                <a:effectLst/>
-                <a:latin typeface="Times New Roman" panose="02020603050405020304" pitchFamily="18" charset="0"/>
-                <a:cs typeface="Times New Roman" panose="02020603050405020304" pitchFamily="18" charset="0"/>
-              </a:rPr>
-              <a:t>One study uncovered that small business lending fraud has </a:t>
-            </a:r>
-            <a:r>
-              <a:rPr lang="en-US" b="0" i="0" u="none" strike="noStrike" dirty="0">
-                <a:solidFill>
-                  <a:schemeClr val="bg1"/>
-                </a:solidFill>
-                <a:effectLst/>
-                <a:latin typeface="Times New Roman" panose="02020603050405020304" pitchFamily="18" charset="0"/>
-                <a:cs typeface="Times New Roman" panose="02020603050405020304" pitchFamily="18" charset="0"/>
-                <a:hlinkClick r:id="rId4">
-                  <a:extLst>
-                    <a:ext uri="{A12FA001-AC4F-418D-AE19-62706E023703}">
-                      <ahyp:hlinkClr xmlns:ahyp="http://schemas.microsoft.com/office/drawing/2018/hyperlinkcolor" val="tx"/>
-                    </a:ext>
-                  </a:extLst>
-                </a:hlinkClick>
-              </a:rPr>
-              <a:t>increased by 6.9% since</a:t>
-            </a:r>
-            <a:r>
-              <a:rPr lang="en-US" b="0" i="0" u="none" strike="noStrike" dirty="0">
-                <a:solidFill>
-                  <a:schemeClr val="bg1"/>
-                </a:solidFill>
-                <a:effectLst/>
-                <a:latin typeface="Times New Roman" panose="02020603050405020304" pitchFamily="18" charset="0"/>
-                <a:cs typeface="Times New Roman" panose="02020603050405020304" pitchFamily="18" charset="0"/>
-              </a:rPr>
-              <a:t> 2020.</a:t>
-            </a:r>
-            <a:endParaRPr lang="en-IN" dirty="0">
-              <a:solidFill>
-                <a:schemeClr val="bg1"/>
-              </a:solidFill>
-              <a:latin typeface="Times New Roman" panose="02020603050405020304" pitchFamily="18" charset="0"/>
-              <a:cs typeface="Times New Roman" panose="02020603050405020304" pitchFamily="18" charset="0"/>
-            </a:endParaRPr>
-          </a:p>
-        </p:txBody>
-      </p:sp>
-      <p:sp>
-        <p:nvSpPr>
-          <p:cNvPr id="2" name="TextBox 1">
-            <a:extLst>
-              <a:ext uri="{FF2B5EF4-FFF2-40B4-BE49-F238E27FC236}">
-                <a16:creationId xmlns:a16="http://schemas.microsoft.com/office/drawing/2014/main" id="{A72287A4-229E-37BB-967C-1B0E06C48684}"/>
-              </a:ext>
-            </a:extLst>
-          </p:cNvPr>
-          <p:cNvSpPr txBox="1"/>
-          <p:nvPr/>
-        </p:nvSpPr>
-        <p:spPr>
-          <a:xfrm>
-            <a:off x="447869" y="307910"/>
-            <a:ext cx="11367769" cy="584775"/>
-          </a:xfrm>
-          <a:prstGeom prst="rect">
-            <a:avLst/>
-          </a:prstGeom>
-          <a:solidFill>
-            <a:schemeClr val="accent1"/>
-          </a:solidFill>
-        </p:spPr>
-        <p:txBody>
-          <a:bodyPr wrap="square" rtlCol="0">
-            <a:spAutoFit/>
-          </a:bodyPr>
-          <a:lstStyle/>
-          <a:p>
-            <a:r>
-              <a:rPr lang="en-US" sz="3200" b="1" i="0" dirty="0">
-                <a:solidFill>
-                  <a:schemeClr val="bg1">
-                    <a:lumMod val="95000"/>
-                  </a:schemeClr>
-                </a:solidFill>
-                <a:effectLst/>
-                <a:latin typeface="Times New Roman" panose="02020603050405020304" pitchFamily="18" charset="0"/>
-                <a:cs typeface="Times New Roman" panose="02020603050405020304" pitchFamily="18" charset="0"/>
-              </a:rPr>
-              <a:t>Loan Fraud Trends:</a:t>
-            </a:r>
-            <a:r>
-              <a:rPr lang="en-US" sz="3200" b="1" dirty="0">
-                <a:solidFill>
-                  <a:schemeClr val="bg1">
-                    <a:lumMod val="95000"/>
-                  </a:schemeClr>
-                </a:solidFill>
-                <a:latin typeface="Times New Roman" panose="02020603050405020304" pitchFamily="18" charset="0"/>
-                <a:cs typeface="Times New Roman" panose="02020603050405020304" pitchFamily="18" charset="0"/>
-              </a:rPr>
-              <a:t> A Closer Look</a:t>
-            </a:r>
-            <a:endParaRPr lang="en-IN" sz="3200" dirty="0">
-              <a:solidFill>
-                <a:schemeClr val="bg1">
-                  <a:lumMod val="95000"/>
-                </a:schemeClr>
-              </a:solidFill>
-              <a:latin typeface="Times New Roman" panose="02020603050405020304" pitchFamily="18" charset="0"/>
-              <a:cs typeface="Times New Roman" panose="02020603050405020304" pitchFamily="18" charset="0"/>
-            </a:endParaRPr>
-          </a:p>
-        </p:txBody>
-      </p:sp>
+        </p:spPr>
+      </p:pic>
     </p:spTree>
     <p:extLst>
       <p:ext uri="{BB962C8B-B14F-4D97-AF65-F5344CB8AC3E}">
-        <p14:creationId xmlns:p14="http://schemas.microsoft.com/office/powerpoint/2010/main" val="3223697331"/>
+        <p14:creationId xmlns:p14="http://schemas.microsoft.com/office/powerpoint/2010/main" val="649612328"/>
       </p:ext>
     </p:extLst>
   </p:cSld>
@@ -27852,10 +27677,10 @@
       </p:grpSpPr>
       <p:sp>
         <p:nvSpPr>
-          <p:cNvPr id="3" name="Slide Number Placeholder 2">
-            <a:extLst>
-              <a:ext uri="{FF2B5EF4-FFF2-40B4-BE49-F238E27FC236}">
-                <a16:creationId xmlns:a16="http://schemas.microsoft.com/office/drawing/2014/main" id="{581E71C2-3FC1-41C1-8255-33A1AC802247}"/>
+          <p:cNvPr id="3" name="Title 2">
+            <a:extLst>
+              <a:ext uri="{FF2B5EF4-FFF2-40B4-BE49-F238E27FC236}">
+                <a16:creationId xmlns:a16="http://schemas.microsoft.com/office/drawing/2014/main" id="{D590803F-38CE-0C52-88B9-D33DADDCF695}"/>
               </a:ext>
             </a:extLst>
           </p:cNvPr>
@@ -27863,28 +27688,41 @@
             <a:spLocks noGrp="1"/>
           </p:cNvSpPr>
           <p:nvPr>
-            <p:ph type="sldNum" sz="quarter" idx="12"/>
+            <p:ph type="ctrTitle"/>
           </p:nvPr>
         </p:nvSpPr>
-        <p:spPr/>
-        <p:txBody>
-          <a:bodyPr/>
+        <p:spPr>
+          <a:xfrm>
+            <a:off x="576494" y="11968"/>
+            <a:ext cx="4727028" cy="930591"/>
+          </a:xfrm>
+        </p:spPr>
+        <p:txBody>
+          <a:bodyPr>
+            <a:normAutofit fontScale="90000"/>
+          </a:bodyPr>
           <a:lstStyle/>
           <a:p>
-            <a:fld id="{03DC2DEF-D2FE-4B45-ABA4-9F153FD1C98A}" type="slidenum">
-              <a:rPr lang="en-US" smtClean="0"/>
-              <a:t>4</a:t>
-            </a:fld>
-            <a:endParaRPr lang="en-US" dirty="0"/>
-          </a:p>
-        </p:txBody>
-      </p:sp>
-      <p:sp>
-        <p:nvSpPr>
-          <p:cNvPr id="6" name="Chart Placeholder 5">
-            <a:extLst>
-              <a:ext uri="{FF2B5EF4-FFF2-40B4-BE49-F238E27FC236}">
-                <a16:creationId xmlns:a16="http://schemas.microsoft.com/office/drawing/2014/main" id="{05B71F7A-E26E-B482-04F0-749D2180049C}"/>
+            <a:br>
+              <a:rPr lang="en-US" sz="4800" dirty="0"/>
+            </a:br>
+            <a:br>
+              <a:rPr lang="en-US" sz="4800" dirty="0"/>
+            </a:br>
+            <a:r>
+              <a:rPr lang="en-US" sz="4800" dirty="0"/>
+              <a:t>Collateral Fraud</a:t>
+            </a:r>
+            <a:endParaRPr lang="en-IN" sz="4800" dirty="0"/>
+          </a:p>
+        </p:txBody>
+      </p:sp>
+      <p:sp>
+        <p:nvSpPr>
+          <p:cNvPr id="4" name="Subtitle 3">
+            <a:extLst>
+              <a:ext uri="{FF2B5EF4-FFF2-40B4-BE49-F238E27FC236}">
+                <a16:creationId xmlns:a16="http://schemas.microsoft.com/office/drawing/2014/main" id="{57131F5B-ADD2-9C0D-5F19-21478BF6AE9A}"/>
               </a:ext>
             </a:extLst>
           </p:cNvPr>
@@ -27892,24 +27730,209 @@
             <a:spLocks noGrp="1"/>
           </p:cNvSpPr>
           <p:nvPr>
-            <p:ph type="chart" sz="quarter" idx="13"/>
+            <p:ph type="subTitle" idx="1"/>
           </p:nvPr>
         </p:nvSpPr>
-        <p:spPr/>
-        <p:txBody>
-          <a:bodyPr/>
+        <p:spPr>
+          <a:xfrm>
+            <a:off x="481361" y="1086339"/>
+            <a:ext cx="5776315" cy="5553000"/>
+          </a:xfrm>
+        </p:spPr>
+        <p:txBody>
+          <a:bodyPr>
+            <a:noAutofit/>
+          </a:bodyPr>
           <a:lstStyle/>
           <a:p>
-            <a:endParaRPr lang="en-US"/>
+            <a:pPr marL="457200" indent="-457200">
+              <a:buFont typeface="Wingdings" panose="05000000000000000000" pitchFamily="2" charset="2"/>
+              <a:buChar char="Ø"/>
+            </a:pPr>
+            <a:r>
+              <a:rPr lang="en-US" sz="1800" b="0" i="0" dirty="0">
+                <a:effectLst/>
+                <a:latin typeface="Times New Roman" panose="02020603050405020304" pitchFamily="18" charset="0"/>
+                <a:cs typeface="Times New Roman" panose="02020603050405020304" pitchFamily="18" charset="0"/>
+              </a:rPr>
+              <a:t>COLLATERAL FRAUD is a type of fraud that affects Lenders</a:t>
+            </a:r>
+          </a:p>
+          <a:p>
+            <a:r>
+              <a:rPr lang="en-US" sz="1800" dirty="0">
+                <a:latin typeface="Times New Roman" panose="02020603050405020304" pitchFamily="18" charset="0"/>
+                <a:cs typeface="Times New Roman" panose="02020603050405020304" pitchFamily="18" charset="0"/>
+              </a:rPr>
+              <a:t>	</a:t>
+            </a:r>
+            <a:r>
+              <a:rPr lang="en-US" sz="1800" b="0" i="0" dirty="0">
+                <a:effectLst/>
+                <a:latin typeface="Times New Roman" panose="02020603050405020304" pitchFamily="18" charset="0"/>
+                <a:cs typeface="Times New Roman" panose="02020603050405020304" pitchFamily="18" charset="0"/>
+              </a:rPr>
+              <a:t>that involves intentional misrepresentation </a:t>
+            </a:r>
+          </a:p>
+          <a:p>
+            <a:r>
+              <a:rPr lang="en-US" sz="1800" dirty="0">
+                <a:latin typeface="Times New Roman" panose="02020603050405020304" pitchFamily="18" charset="0"/>
+                <a:cs typeface="Times New Roman" panose="02020603050405020304" pitchFamily="18" charset="0"/>
+              </a:rPr>
+              <a:t>	</a:t>
+            </a:r>
+            <a:r>
+              <a:rPr lang="en-US" sz="1800" b="0" i="0" dirty="0">
+                <a:effectLst/>
+                <a:latin typeface="Times New Roman" panose="02020603050405020304" pitchFamily="18" charset="0"/>
+                <a:cs typeface="Times New Roman" panose="02020603050405020304" pitchFamily="18" charset="0"/>
+              </a:rPr>
+              <a:t>or deceptive behavior outside of a transaction </a:t>
+            </a:r>
+          </a:p>
+          <a:p>
+            <a:r>
+              <a:rPr lang="en-US" sz="1800" b="0" i="0" dirty="0">
+                <a:effectLst/>
+                <a:latin typeface="Times New Roman" panose="02020603050405020304" pitchFamily="18" charset="0"/>
+                <a:cs typeface="Times New Roman" panose="02020603050405020304" pitchFamily="18" charset="0"/>
+              </a:rPr>
+              <a:t>	or contract, which deprives one party </a:t>
+            </a:r>
+          </a:p>
+          <a:p>
+            <a:r>
+              <a:rPr lang="en-US" sz="1800" b="0" i="0" dirty="0">
+                <a:effectLst/>
+                <a:latin typeface="Times New Roman" panose="02020603050405020304" pitchFamily="18" charset="0"/>
+                <a:cs typeface="Times New Roman" panose="02020603050405020304" pitchFamily="18" charset="0"/>
+              </a:rPr>
+              <a:t>	of informed consent or full participation.</a:t>
+            </a:r>
+          </a:p>
+          <a:p>
+            <a:pPr marL="342900" indent="-342900">
+              <a:buFont typeface="Wingdings" panose="05000000000000000000" pitchFamily="2" charset="2"/>
+              <a:buChar char="Ø"/>
+            </a:pPr>
+            <a:r>
+              <a:rPr lang="en-US" sz="1800" b="0" i="0" dirty="0">
+                <a:effectLst/>
+                <a:latin typeface="Times New Roman" panose="02020603050405020304" pitchFamily="18" charset="0"/>
+                <a:cs typeface="Times New Roman" panose="02020603050405020304" pitchFamily="18" charset="0"/>
+              </a:rPr>
+              <a:t>COLLATERAL FRAUD continues to affect lenders across the globe.</a:t>
+            </a:r>
+          </a:p>
+          <a:p>
+            <a:pPr marL="342900" indent="-342900">
+              <a:buFont typeface="Wingdings" panose="05000000000000000000" pitchFamily="2" charset="2"/>
+              <a:buChar char="Ø"/>
+            </a:pPr>
+            <a:r>
+              <a:rPr lang="en-US" sz="1800" dirty="0">
+                <a:latin typeface="Times New Roman" panose="02020603050405020304" pitchFamily="18" charset="0"/>
+                <a:cs typeface="Times New Roman" panose="02020603050405020304" pitchFamily="18" charset="0"/>
+              </a:rPr>
+              <a:t>Current Defi Loans are OVER COLLATERALIZED crypto native loans</a:t>
+            </a:r>
+          </a:p>
+          <a:p>
+            <a:pPr marL="342900" indent="-342900">
+              <a:buFont typeface="Wingdings" panose="05000000000000000000" pitchFamily="2" charset="2"/>
+              <a:buChar char="Ø"/>
+            </a:pPr>
+            <a:r>
+              <a:rPr lang="en-US" sz="1800" dirty="0">
+                <a:latin typeface="Times New Roman" panose="02020603050405020304" pitchFamily="18" charset="0"/>
+                <a:cs typeface="Times New Roman" panose="02020603050405020304" pitchFamily="18" charset="0"/>
+              </a:rPr>
+              <a:t>HOWEVER, for larger adoption of blockchain  Enterprise Grade Loans need capabilities for </a:t>
+            </a:r>
+          </a:p>
+          <a:p>
+            <a:r>
+              <a:rPr lang="en-US" sz="1800" dirty="0">
+                <a:solidFill>
+                  <a:srgbClr val="FFFF00"/>
+                </a:solidFill>
+                <a:latin typeface="Times New Roman" panose="02020603050405020304" pitchFamily="18" charset="0"/>
+                <a:cs typeface="Times New Roman" panose="02020603050405020304" pitchFamily="18" charset="0"/>
+              </a:rPr>
+              <a:t> </a:t>
+            </a:r>
+            <a:r>
+              <a:rPr lang="en-US" sz="1800" b="1" dirty="0">
+                <a:solidFill>
+                  <a:srgbClr val="FFFF00"/>
+                </a:solidFill>
+                <a:latin typeface="Times New Roman" panose="02020603050405020304" pitchFamily="18" charset="0"/>
+                <a:cs typeface="Times New Roman" panose="02020603050405020304" pitchFamily="18" charset="0"/>
+              </a:rPr>
+              <a:t>       Real World Assets for Property Collaterals for </a:t>
+            </a:r>
+          </a:p>
+          <a:p>
+            <a:r>
+              <a:rPr lang="en-US" sz="1800" b="1" dirty="0">
+                <a:solidFill>
+                  <a:srgbClr val="FFFF00"/>
+                </a:solidFill>
+                <a:latin typeface="Times New Roman" panose="02020603050405020304" pitchFamily="18" charset="0"/>
+                <a:cs typeface="Times New Roman" panose="02020603050405020304" pitchFamily="18" charset="0"/>
+              </a:rPr>
+              <a:t> 	Authenticity and double-spending</a:t>
+            </a:r>
+          </a:p>
+          <a:p>
+            <a:r>
+              <a:rPr lang="en-US" sz="1800" b="1" dirty="0">
+                <a:solidFill>
+                  <a:srgbClr val="FFFF00"/>
+                </a:solidFill>
+                <a:latin typeface="Times New Roman" panose="02020603050405020304" pitchFamily="18" charset="0"/>
+                <a:cs typeface="Times New Roman" panose="02020603050405020304" pitchFamily="18" charset="0"/>
+              </a:rPr>
+              <a:t>        The Institutions would need to operate in SUBNETs </a:t>
+            </a:r>
+          </a:p>
+          <a:p>
+            <a:r>
+              <a:rPr lang="en-US" sz="1800" b="1" dirty="0">
+                <a:solidFill>
+                  <a:srgbClr val="FFFF00"/>
+                </a:solidFill>
+                <a:latin typeface="Times New Roman" panose="02020603050405020304" pitchFamily="18" charset="0"/>
+                <a:cs typeface="Times New Roman" panose="02020603050405020304" pitchFamily="18" charset="0"/>
+              </a:rPr>
+              <a:t>	for data privacy, data integrity, and protection</a:t>
+            </a:r>
+          </a:p>
+          <a:p>
+            <a:r>
+              <a:rPr lang="en-US" sz="1800" b="1" dirty="0">
+                <a:solidFill>
+                  <a:srgbClr val="FFFF00"/>
+                </a:solidFill>
+                <a:latin typeface="Times New Roman" panose="02020603050405020304" pitchFamily="18" charset="0"/>
+                <a:cs typeface="Times New Roman" panose="02020603050405020304" pitchFamily="18" charset="0"/>
+              </a:rPr>
+              <a:t>	</a:t>
+            </a:r>
+          </a:p>
+          <a:p>
+            <a:endParaRPr lang="en-IN" sz="1800" dirty="0"/>
           </a:p>
         </p:txBody>
       </p:sp>
       <p:pic>
         <p:nvPicPr>
-          <p:cNvPr id="8" name="Picture 7">
-            <a:extLst>
-              <a:ext uri="{FF2B5EF4-FFF2-40B4-BE49-F238E27FC236}">
-                <a16:creationId xmlns:a16="http://schemas.microsoft.com/office/drawing/2014/main" id="{9B1758D7-74FF-0DB0-A8D4-2AD910A36F17}"/>
+          <p:cNvPr id="2" name="Picture 1">
+            <a:extLst>
+              <a:ext uri="{FF2B5EF4-FFF2-40B4-BE49-F238E27FC236}">
+                <a16:creationId xmlns:a16="http://schemas.microsoft.com/office/drawing/2014/main" id="{CEEEEA3B-556F-0BCE-7853-A5084D9B0615}"/>
               </a:ext>
             </a:extLst>
           </p:cNvPr>
@@ -27926,103 +27949,18 @@
         </p:blipFill>
         <p:spPr>
           <a:xfrm>
-            <a:off x="6455132" y="1233487"/>
-            <a:ext cx="5276751" cy="4967287"/>
+            <a:off x="6338450" y="747423"/>
+            <a:ext cx="5703381" cy="5703381"/>
           </a:xfrm>
           <a:prstGeom prst="rect">
             <a:avLst/>
           </a:prstGeom>
         </p:spPr>
       </p:pic>
-      <p:pic>
-        <p:nvPicPr>
-          <p:cNvPr id="10" name="Picture 9">
-            <a:extLst>
-              <a:ext uri="{FF2B5EF4-FFF2-40B4-BE49-F238E27FC236}">
-                <a16:creationId xmlns:a16="http://schemas.microsoft.com/office/drawing/2014/main" id="{69AD34F5-C4AC-B633-6809-94DCB0632B8E}"/>
-              </a:ext>
-            </a:extLst>
-          </p:cNvPr>
-          <p:cNvPicPr>
-            <a:picLocks noChangeAspect="1"/>
-          </p:cNvPicPr>
-          <p:nvPr/>
-        </p:nvPicPr>
-        <p:blipFill>
-          <a:blip r:embed="rId3"/>
-          <a:stretch>
-            <a:fillRect/>
-          </a:stretch>
-        </p:blipFill>
-        <p:spPr>
-          <a:xfrm>
-            <a:off x="337167" y="1233487"/>
-            <a:ext cx="5957886" cy="4967287"/>
-          </a:xfrm>
-          <a:prstGeom prst="rect">
-            <a:avLst/>
-          </a:prstGeom>
-        </p:spPr>
-      </p:pic>
-      <p:sp>
-        <p:nvSpPr>
-          <p:cNvPr id="7" name="TextBox 6">
-            <a:extLst>
-              <a:ext uri="{FF2B5EF4-FFF2-40B4-BE49-F238E27FC236}">
-                <a16:creationId xmlns:a16="http://schemas.microsoft.com/office/drawing/2014/main" id="{4A20F83F-B1B6-08EC-F809-49CC97653DA9}"/>
-              </a:ext>
-            </a:extLst>
-          </p:cNvPr>
-          <p:cNvSpPr txBox="1"/>
-          <p:nvPr/>
-        </p:nvSpPr>
-        <p:spPr>
-          <a:xfrm>
-            <a:off x="447869" y="307910"/>
-            <a:ext cx="11367769" cy="584775"/>
-          </a:xfrm>
-          <a:prstGeom prst="rect">
-            <a:avLst/>
-          </a:prstGeom>
-          <a:solidFill>
-            <a:schemeClr val="accent1"/>
-          </a:solidFill>
-        </p:spPr>
-        <p:txBody>
-          <a:bodyPr wrap="square" rtlCol="0">
-            <a:spAutoFit/>
-          </a:bodyPr>
-          <a:lstStyle/>
-          <a:p>
-            <a:r>
-              <a:rPr lang="en-US" sz="3200" b="1" i="0" dirty="0">
-                <a:solidFill>
-                  <a:schemeClr val="bg1">
-                    <a:lumMod val="95000"/>
-                  </a:schemeClr>
-                </a:solidFill>
-                <a:effectLst/>
-                <a:latin typeface="Times New Roman" panose="02020603050405020304" pitchFamily="18" charset="0"/>
-                <a:cs typeface="Times New Roman" panose="02020603050405020304" pitchFamily="18" charset="0"/>
-              </a:rPr>
-              <a:t>Bank Fraud Statistics in India</a:t>
-            </a:r>
-            <a:endParaRPr lang="en-IN" sz="3200" dirty="0">
-              <a:solidFill>
-                <a:schemeClr val="bg1">
-                  <a:lumMod val="95000"/>
-                </a:schemeClr>
-              </a:solidFill>
-              <a:latin typeface="Times New Roman" panose="02020603050405020304" pitchFamily="18" charset="0"/>
-              <a:cs typeface="Times New Roman" panose="02020603050405020304" pitchFamily="18" charset="0"/>
-            </a:endParaRPr>
-          </a:p>
-        </p:txBody>
-      </p:sp>
     </p:spTree>
     <p:extLst>
       <p:ext uri="{BB962C8B-B14F-4D97-AF65-F5344CB8AC3E}">
-        <p14:creationId xmlns:p14="http://schemas.microsoft.com/office/powerpoint/2010/main" val="2900026269"/>
+        <p14:creationId xmlns:p14="http://schemas.microsoft.com/office/powerpoint/2010/main" val="2785603965"/>
       </p:ext>
     </p:extLst>
   </p:cSld>
@@ -28051,10 +27989,10 @@
       </p:grpSpPr>
       <p:sp>
         <p:nvSpPr>
-          <p:cNvPr id="4" name="Subtitle 3">
-            <a:extLst>
-              <a:ext uri="{FF2B5EF4-FFF2-40B4-BE49-F238E27FC236}">
-                <a16:creationId xmlns:a16="http://schemas.microsoft.com/office/drawing/2014/main" id="{9B05EAFB-F852-F063-297E-B2AA79A9298B}"/>
+          <p:cNvPr id="5" name="Slide Number Placeholder 4">
+            <a:extLst>
+              <a:ext uri="{FF2B5EF4-FFF2-40B4-BE49-F238E27FC236}">
+                <a16:creationId xmlns:a16="http://schemas.microsoft.com/office/drawing/2014/main" id="{B10926D6-BC9E-A44A-BC69-3A3C1068E56A}"/>
               </a:ext>
             </a:extLst>
           </p:cNvPr>
@@ -28062,79 +28000,302 @@
             <a:spLocks noGrp="1"/>
           </p:cNvSpPr>
           <p:nvPr>
-            <p:ph type="subTitle" idx="1"/>
+            <p:ph type="sldNum" sz="quarter" idx="12"/>
           </p:nvPr>
         </p:nvSpPr>
-        <p:spPr>
-          <a:xfrm>
-            <a:off x="6697771" y="431479"/>
-            <a:ext cx="5300747" cy="6112444"/>
-          </a:xfrm>
-        </p:spPr>
-        <p:txBody>
-          <a:bodyPr>
-            <a:normAutofit fontScale="70000" lnSpcReduction="20000"/>
-          </a:bodyPr>
+        <p:spPr/>
+        <p:txBody>
+          <a:bodyPr/>
           <a:lstStyle/>
           <a:p>
-            <a:endParaRPr lang="en-US" dirty="0">
+            <a:fld id="{03DC2DEF-D2FE-4B45-ABA4-9F153FD1C98A}" type="slidenum">
+              <a:rPr lang="en-US" smtClean="0"/>
+              <a:t>5</a:t>
+            </a:fld>
+            <a:endParaRPr lang="en-US" dirty="0"/>
+          </a:p>
+        </p:txBody>
+      </p:sp>
+      <p:sp>
+        <p:nvSpPr>
+          <p:cNvPr id="14" name="Content Placeholder 13">
+            <a:extLst>
+              <a:ext uri="{FF2B5EF4-FFF2-40B4-BE49-F238E27FC236}">
+                <a16:creationId xmlns:a16="http://schemas.microsoft.com/office/drawing/2014/main" id="{3841F257-8444-E467-D8BD-01191BF0EFD9}"/>
+              </a:ext>
+            </a:extLst>
+          </p:cNvPr>
+          <p:cNvSpPr>
+            <a:spLocks noGrp="1"/>
+          </p:cNvSpPr>
+          <p:nvPr>
+            <p:ph sz="half" idx="2"/>
+          </p:nvPr>
+        </p:nvSpPr>
+        <p:spPr/>
+        <p:txBody>
+          <a:bodyPr/>
+          <a:lstStyle/>
+          <a:p>
+            <a:pPr marL="0" indent="0">
+              <a:buNone/>
+            </a:pPr>
+            <a:r>
+              <a:rPr lang="en-US" b="0" i="0" dirty="0">
+                <a:effectLst/>
+                <a:latin typeface="Times New Roman" panose="02020603050405020304" pitchFamily="18" charset="0"/>
+                <a:cs typeface="Times New Roman" panose="02020603050405020304" pitchFamily="18" charset="0"/>
+              </a:rPr>
+              <a:t>"While small value card/internet frauds contributed the maximum to the number of frauds reported by the private sector banks, the frauds in public sector banks were mainly in the loan portfolio," the RBI </a:t>
+            </a:r>
+            <a:endParaRPr lang="en-IN" b="0" i="0" dirty="0">
+              <a:effectLst/>
               <a:latin typeface="Times New Roman" panose="02020603050405020304" pitchFamily="18" charset="0"/>
               <a:cs typeface="Times New Roman" panose="02020603050405020304" pitchFamily="18" charset="0"/>
             </a:endParaRPr>
           </a:p>
           <a:p>
-            <a:r>
-              <a:rPr lang="en-US" dirty="0">
+            <a:pPr marL="0" indent="0">
+              <a:buNone/>
+            </a:pPr>
+            <a:r>
+              <a:rPr lang="en-US" b="0" i="0" dirty="0">
+                <a:effectLst/>
                 <a:latin typeface="Times New Roman" panose="02020603050405020304" pitchFamily="18" charset="0"/>
                 <a:cs typeface="Times New Roman" panose="02020603050405020304" pitchFamily="18" charset="0"/>
               </a:rPr>
-              <a:t>We need a system to decrease</a:t>
-            </a:r>
-          </a:p>
-          <a:p>
-            <a:pPr marL="800100" lvl="1" indent="-342900" algn="l">
-              <a:buFont typeface="Arial" panose="020B0604020202020204" pitchFamily="34" charset="0"/>
-              <a:buChar char="•"/>
-            </a:pPr>
-            <a:r>
-              <a:rPr lang="en-US" sz="2600" dirty="0">
-                <a:solidFill>
-                  <a:srgbClr val="FFFF00"/>
-                </a:solidFill>
+              <a:t>As per the data, 95 percent or Rs 28,792 crore of the total Rs 30,252 crore was reported in cases related to loans (advances).</a:t>
+            </a:r>
+            <a:endParaRPr lang="en-IN" dirty="0">
+              <a:latin typeface="Times New Roman" panose="02020603050405020304" pitchFamily="18" charset="0"/>
+              <a:cs typeface="Times New Roman" panose="02020603050405020304" pitchFamily="18" charset="0"/>
+            </a:endParaRPr>
+          </a:p>
+        </p:txBody>
+      </p:sp>
+      <p:pic>
+        <p:nvPicPr>
+          <p:cNvPr id="28" name="Content Placeholder 27">
+            <a:extLst>
+              <a:ext uri="{FF2B5EF4-FFF2-40B4-BE49-F238E27FC236}">
+                <a16:creationId xmlns:a16="http://schemas.microsoft.com/office/drawing/2014/main" id="{21A7EB55-F1B9-43CB-3298-77AF172E0BA0}"/>
+              </a:ext>
+            </a:extLst>
+          </p:cNvPr>
+          <p:cNvPicPr>
+            <a:picLocks noGrp="1" noChangeAspect="1"/>
+          </p:cNvPicPr>
+          <p:nvPr>
+            <p:ph sz="half" idx="1"/>
+          </p:nvPr>
+        </p:nvPicPr>
+        <p:blipFill>
+          <a:blip r:embed="rId2"/>
+          <a:stretch>
+            <a:fillRect/>
+          </a:stretch>
+        </p:blipFill>
+        <p:spPr>
+          <a:xfrm>
+            <a:off x="3898900" y="1290320"/>
+            <a:ext cx="4394200" cy="4907280"/>
+          </a:xfrm>
+        </p:spPr>
+      </p:pic>
+      <p:sp>
+        <p:nvSpPr>
+          <p:cNvPr id="30" name="TextBox 29">
+            <a:extLst>
+              <a:ext uri="{FF2B5EF4-FFF2-40B4-BE49-F238E27FC236}">
+                <a16:creationId xmlns:a16="http://schemas.microsoft.com/office/drawing/2014/main" id="{008BDBDF-1D3C-8D6C-32F5-E652F128B660}"/>
+              </a:ext>
+            </a:extLst>
+          </p:cNvPr>
+          <p:cNvSpPr txBox="1"/>
+          <p:nvPr/>
+        </p:nvSpPr>
+        <p:spPr>
+          <a:xfrm>
+            <a:off x="562358" y="1783695"/>
+            <a:ext cx="2993642" cy="2862322"/>
+          </a:xfrm>
+          <a:prstGeom prst="rect">
+            <a:avLst/>
+          </a:prstGeom>
+          <a:noFill/>
+        </p:spPr>
+        <p:txBody>
+          <a:bodyPr wrap="square">
+            <a:spAutoFit/>
+          </a:bodyPr>
+          <a:lstStyle/>
+          <a:p>
+            <a:r>
+              <a:rPr lang="en-US" b="0" i="0" dirty="0">
+                <a:solidFill>
+                  <a:schemeClr val="bg1"/>
+                </a:solidFill>
+                <a:effectLst/>
                 <a:latin typeface="Times New Roman" panose="02020603050405020304" pitchFamily="18" charset="0"/>
                 <a:cs typeface="Times New Roman" panose="02020603050405020304" pitchFamily="18" charset="0"/>
               </a:rPr>
-              <a:t>Fraud affecting Lenders for system integrity</a:t>
-            </a:r>
-          </a:p>
-          <a:p>
-            <a:pPr marL="800100" lvl="1" indent="-342900" algn="l">
-              <a:buFont typeface="Arial" panose="020B0604020202020204" pitchFamily="34" charset="0"/>
-              <a:buChar char="•"/>
-            </a:pPr>
-            <a:r>
-              <a:rPr lang="en-US" sz="2600" dirty="0">
-                <a:solidFill>
-                  <a:srgbClr val="FFFF00"/>
-                </a:solidFill>
+              <a:t>Projected to reach a global market value of more than </a:t>
+            </a:r>
+            <a:r>
+              <a:rPr lang="en-US" b="0" i="0" u="none" strike="noStrike" dirty="0">
+                <a:solidFill>
+                  <a:schemeClr val="bg1"/>
+                </a:solidFill>
+                <a:effectLst/>
+                <a:latin typeface="Times New Roman" panose="02020603050405020304" pitchFamily="18" charset="0"/>
+                <a:cs typeface="Times New Roman" panose="02020603050405020304" pitchFamily="18" charset="0"/>
+                <a:hlinkClick r:id="rId3">
+                  <a:extLst>
+                    <a:ext uri="{A12FA001-AC4F-418D-AE19-62706E023703}">
+                      <ahyp:hlinkClr xmlns:ahyp="http://schemas.microsoft.com/office/drawing/2018/hyperlinkcolor" val="tx"/>
+                    </a:ext>
+                  </a:extLst>
+                </a:hlinkClick>
+              </a:rPr>
+              <a:t>$12.5B by 2026</a:t>
+            </a:r>
+            <a:r>
+              <a:rPr lang="en-US" b="0" i="0" dirty="0">
+                <a:solidFill>
+                  <a:schemeClr val="bg1"/>
+                </a:solidFill>
+                <a:effectLst/>
                 <a:latin typeface="Times New Roman" panose="02020603050405020304" pitchFamily="18" charset="0"/>
                 <a:cs typeface="Times New Roman" panose="02020603050405020304" pitchFamily="18" charset="0"/>
               </a:rPr>
-              <a:t>Discrepancies for increased efficiencies</a:t>
+              <a:t>, lending is one of the largest industries within the financial sector.</a:t>
             </a:r>
             <a:br>
-              <a:rPr lang="en-US" dirty="0">
+              <a:rPr lang="en-US" b="0" i="0" dirty="0">
+                <a:solidFill>
+                  <a:schemeClr val="bg1"/>
+                </a:solidFill>
+                <a:effectLst/>
                 <a:latin typeface="Times New Roman" panose="02020603050405020304" pitchFamily="18" charset="0"/>
                 <a:cs typeface="Times New Roman" panose="02020603050405020304" pitchFamily="18" charset="0"/>
               </a:rPr>
             </a:br>
-            <a:endParaRPr lang="en-US" dirty="0">
+            <a:br>
+              <a:rPr lang="en-US" b="0" i="0" dirty="0">
+                <a:solidFill>
+                  <a:schemeClr val="bg1"/>
+                </a:solidFill>
+                <a:effectLst/>
+                <a:latin typeface="Times New Roman" panose="02020603050405020304" pitchFamily="18" charset="0"/>
+                <a:cs typeface="Times New Roman" panose="02020603050405020304" pitchFamily="18" charset="0"/>
+              </a:rPr>
+            </a:br>
+            <a:r>
+              <a:rPr lang="en-US" b="0" i="0" dirty="0">
+                <a:solidFill>
+                  <a:schemeClr val="bg1"/>
+                </a:solidFill>
+                <a:effectLst/>
+                <a:latin typeface="Times New Roman" panose="02020603050405020304" pitchFamily="18" charset="0"/>
+                <a:cs typeface="Times New Roman" panose="02020603050405020304" pitchFamily="18" charset="0"/>
+              </a:rPr>
+              <a:t>One study uncovered that small business lending fraud has </a:t>
+            </a:r>
+            <a:r>
+              <a:rPr lang="en-US" b="0" i="0" u="none" strike="noStrike" dirty="0">
+                <a:solidFill>
+                  <a:schemeClr val="bg1"/>
+                </a:solidFill>
+                <a:effectLst/>
+                <a:latin typeface="Times New Roman" panose="02020603050405020304" pitchFamily="18" charset="0"/>
+                <a:cs typeface="Times New Roman" panose="02020603050405020304" pitchFamily="18" charset="0"/>
+                <a:hlinkClick r:id="rId4">
+                  <a:extLst>
+                    <a:ext uri="{A12FA001-AC4F-418D-AE19-62706E023703}">
+                      <ahyp:hlinkClr xmlns:ahyp="http://schemas.microsoft.com/office/drawing/2018/hyperlinkcolor" val="tx"/>
+                    </a:ext>
+                  </a:extLst>
+                </a:hlinkClick>
+              </a:rPr>
+              <a:t>increased by 6.9% since</a:t>
+            </a:r>
+            <a:r>
+              <a:rPr lang="en-US" b="0" i="0" u="none" strike="noStrike" dirty="0">
+                <a:solidFill>
+                  <a:schemeClr val="bg1"/>
+                </a:solidFill>
+                <a:effectLst/>
+                <a:latin typeface="Times New Roman" panose="02020603050405020304" pitchFamily="18" charset="0"/>
+                <a:cs typeface="Times New Roman" panose="02020603050405020304" pitchFamily="18" charset="0"/>
+              </a:rPr>
+              <a:t> 2020.</a:t>
+            </a:r>
+            <a:endParaRPr lang="en-IN" dirty="0">
+              <a:solidFill>
+                <a:schemeClr val="bg1"/>
+              </a:solidFill>
               <a:latin typeface="Times New Roman" panose="02020603050405020304" pitchFamily="18" charset="0"/>
               <a:cs typeface="Times New Roman" panose="02020603050405020304" pitchFamily="18" charset="0"/>
             </a:endParaRPr>
           </a:p>
-          <a:p>
-            <a:endParaRPr lang="en-US" dirty="0">
+        </p:txBody>
+      </p:sp>
+      <p:sp>
+        <p:nvSpPr>
+          <p:cNvPr id="2" name="TextBox 1">
+            <a:extLst>
+              <a:ext uri="{FF2B5EF4-FFF2-40B4-BE49-F238E27FC236}">
+                <a16:creationId xmlns:a16="http://schemas.microsoft.com/office/drawing/2014/main" id="{A72287A4-229E-37BB-967C-1B0E06C48684}"/>
+              </a:ext>
+            </a:extLst>
+          </p:cNvPr>
+          <p:cNvSpPr txBox="1"/>
+          <p:nvPr/>
+        </p:nvSpPr>
+        <p:spPr>
+          <a:xfrm>
+            <a:off x="447869" y="307910"/>
+            <a:ext cx="11367769" cy="584775"/>
+          </a:xfrm>
+          <a:prstGeom prst="rect">
+            <a:avLst/>
+          </a:prstGeom>
+          <a:solidFill>
+            <a:schemeClr val="accent1"/>
+          </a:solidFill>
+        </p:spPr>
+        <p:txBody>
+          <a:bodyPr wrap="square" rtlCol="0">
+            <a:spAutoFit/>
+          </a:bodyPr>
+          <a:lstStyle/>
+          <a:p>
+            <a:r>
+              <a:rPr lang="en-US" sz="3200" b="1" i="0" dirty="0">
+                <a:solidFill>
+                  <a:schemeClr val="bg1">
+                    <a:lumMod val="95000"/>
+                  </a:schemeClr>
+                </a:solidFill>
+                <a:effectLst/>
+                <a:latin typeface="Times New Roman" panose="02020603050405020304" pitchFamily="18" charset="0"/>
+                <a:cs typeface="Times New Roman" panose="02020603050405020304" pitchFamily="18" charset="0"/>
+              </a:rPr>
+              <a:t>Loan Fraud Trends:</a:t>
+            </a:r>
+            <a:r>
+              <a:rPr lang="en-US" sz="3200" b="1" dirty="0">
+                <a:solidFill>
+                  <a:schemeClr val="bg1">
+                    <a:lumMod val="95000"/>
+                  </a:schemeClr>
+                </a:solidFill>
+                <a:latin typeface="Times New Roman" panose="02020603050405020304" pitchFamily="18" charset="0"/>
+                <a:cs typeface="Times New Roman" panose="02020603050405020304" pitchFamily="18" charset="0"/>
+              </a:rPr>
+              <a:t> A Closer Look</a:t>
+            </a:r>
+            <a:endParaRPr lang="en-IN" sz="3200" dirty="0">
               <a:solidFill>
                 <a:schemeClr val="bg1">
                   <a:lumMod val="95000"/>
@@ -28144,220 +28305,12 @@
               <a:cs typeface="Times New Roman" panose="02020603050405020304" pitchFamily="18" charset="0"/>
             </a:endParaRPr>
           </a:p>
-          <a:p>
-            <a:r>
-              <a:rPr lang="en-US" dirty="0">
-                <a:solidFill>
-                  <a:schemeClr val="bg1">
-                    <a:lumMod val="95000"/>
-                  </a:schemeClr>
-                </a:solidFill>
-                <a:latin typeface="Times New Roman" panose="02020603050405020304" pitchFamily="18" charset="0"/>
-                <a:cs typeface="Times New Roman" panose="02020603050405020304" pitchFamily="18" charset="0"/>
-              </a:rPr>
-              <a:t>SOLUTION:</a:t>
-            </a:r>
-          </a:p>
-          <a:p>
-            <a:r>
-              <a:rPr lang="en-US" dirty="0">
-                <a:solidFill>
-                  <a:schemeClr val="bg1">
-                    <a:lumMod val="95000"/>
-                  </a:schemeClr>
-                </a:solidFill>
-                <a:latin typeface="Times New Roman" panose="02020603050405020304" pitchFamily="18" charset="0"/>
-                <a:cs typeface="Times New Roman" panose="02020603050405020304" pitchFamily="18" charset="0"/>
-              </a:rPr>
-              <a:t>Blockchain solution to reduce</a:t>
-            </a:r>
-          </a:p>
-          <a:p>
-            <a:pPr marL="800100" lvl="1" indent="-342900" algn="l">
-              <a:buFont typeface="Arial" panose="020B0604020202020204" pitchFamily="34" charset="0"/>
-              <a:buChar char="•"/>
-            </a:pPr>
-            <a:r>
-              <a:rPr lang="en-US" sz="2600" dirty="0">
-                <a:solidFill>
-                  <a:srgbClr val="FFFF00"/>
-                </a:solidFill>
-                <a:latin typeface="Times New Roman" panose="02020603050405020304" pitchFamily="18" charset="0"/>
-                <a:cs typeface="Times New Roman" panose="02020603050405020304" pitchFamily="18" charset="0"/>
-              </a:rPr>
-              <a:t>Fraud affecting Lenders for system integrity</a:t>
-            </a:r>
-          </a:p>
-          <a:p>
-            <a:pPr marL="800100" lvl="1" indent="-342900" algn="l">
-              <a:buFont typeface="Arial" panose="020B0604020202020204" pitchFamily="34" charset="0"/>
-              <a:buChar char="•"/>
-            </a:pPr>
-            <a:r>
-              <a:rPr lang="en-US" sz="2600" dirty="0">
-                <a:solidFill>
-                  <a:srgbClr val="FFFF00"/>
-                </a:solidFill>
-                <a:latin typeface="Times New Roman" panose="02020603050405020304" pitchFamily="18" charset="0"/>
-                <a:cs typeface="Times New Roman" panose="02020603050405020304" pitchFamily="18" charset="0"/>
-              </a:rPr>
-              <a:t>Discrepancy reduction and reconciliation for increasing efficiencies</a:t>
-            </a:r>
-          </a:p>
-          <a:p>
-            <a:pPr lvl="1" algn="l"/>
-            <a:endParaRPr lang="en-US" dirty="0">
-              <a:solidFill>
-                <a:schemeClr val="bg1">
-                  <a:lumMod val="95000"/>
-                </a:schemeClr>
-              </a:solidFill>
-              <a:latin typeface="Times New Roman" panose="02020603050405020304" pitchFamily="18" charset="0"/>
-              <a:cs typeface="Times New Roman" panose="02020603050405020304" pitchFamily="18" charset="0"/>
-            </a:endParaRPr>
-          </a:p>
-          <a:p>
-            <a:r>
-              <a:rPr lang="en-US" dirty="0">
-                <a:solidFill>
-                  <a:schemeClr val="bg1">
-                    <a:lumMod val="95000"/>
-                  </a:schemeClr>
-                </a:solidFill>
-                <a:latin typeface="Times New Roman" panose="02020603050405020304" pitchFamily="18" charset="0"/>
-                <a:cs typeface="Times New Roman" panose="02020603050405020304" pitchFamily="18" charset="0"/>
-              </a:rPr>
-              <a:t>Authentic SUBNETs ( Registrars)  host Tokenized RWAs, and Inquiries</a:t>
-            </a:r>
-          </a:p>
-          <a:p>
-            <a:pPr marL="342900" indent="-342900">
-              <a:buFont typeface="Arial" panose="020B0604020202020204" pitchFamily="34" charset="0"/>
-              <a:buChar char="•"/>
-            </a:pPr>
-            <a:r>
-              <a:rPr lang="en-US" dirty="0">
-                <a:solidFill>
-                  <a:srgbClr val="FFFF00"/>
-                </a:solidFill>
-                <a:latin typeface="Times New Roman" panose="02020603050405020304" pitchFamily="18" charset="0"/>
-                <a:cs typeface="Times New Roman" panose="02020603050405020304" pitchFamily="18" charset="0"/>
-              </a:rPr>
-              <a:t>   </a:t>
-            </a:r>
-            <a:r>
-              <a:rPr lang="en-US" sz="2600" dirty="0">
-                <a:solidFill>
-                  <a:srgbClr val="FFFF00"/>
-                </a:solidFill>
-                <a:latin typeface="Times New Roman" panose="02020603050405020304" pitchFamily="18" charset="0"/>
-                <a:cs typeface="Times New Roman" panose="02020603050405020304" pitchFamily="18" charset="0"/>
-              </a:rPr>
-              <a:t>that verifiers can be used for verifying</a:t>
-            </a:r>
-          </a:p>
-          <a:p>
-            <a:r>
-              <a:rPr lang="en-US" sz="2600" dirty="0">
-                <a:solidFill>
-                  <a:srgbClr val="FFFF00"/>
-                </a:solidFill>
-                <a:latin typeface="Times New Roman" panose="02020603050405020304" pitchFamily="18" charset="0"/>
-                <a:cs typeface="Times New Roman" panose="02020603050405020304" pitchFamily="18" charset="0"/>
-              </a:rPr>
-              <a:t>	Ownership</a:t>
-            </a:r>
-          </a:p>
-          <a:p>
-            <a:r>
-              <a:rPr lang="en-US" sz="2600" dirty="0">
-                <a:solidFill>
-                  <a:srgbClr val="FFFF00"/>
-                </a:solidFill>
-                <a:latin typeface="Times New Roman" panose="02020603050405020304" pitchFamily="18" charset="0"/>
-                <a:cs typeface="Times New Roman" panose="02020603050405020304" pitchFamily="18" charset="0"/>
-              </a:rPr>
-              <a:t>	Double spending</a:t>
-            </a:r>
-          </a:p>
-          <a:p>
-            <a:endParaRPr lang="en-US" dirty="0">
-              <a:solidFill>
-                <a:srgbClr val="FFFF00"/>
-              </a:solidFill>
-              <a:latin typeface="Times New Roman" panose="02020603050405020304" pitchFamily="18" charset="0"/>
-              <a:cs typeface="Times New Roman" panose="02020603050405020304" pitchFamily="18" charset="0"/>
-            </a:endParaRPr>
-          </a:p>
-          <a:p>
-            <a:endParaRPr lang="en-US" dirty="0">
-              <a:solidFill>
-                <a:srgbClr val="FFFF00"/>
-              </a:solidFill>
-              <a:latin typeface="Times New Roman" panose="02020603050405020304" pitchFamily="18" charset="0"/>
-              <a:cs typeface="Times New Roman" panose="02020603050405020304" pitchFamily="18" charset="0"/>
-            </a:endParaRPr>
-          </a:p>
-          <a:p>
-            <a:pPr lvl="1"/>
-            <a:endParaRPr lang="en-US" dirty="0">
-              <a:solidFill>
-                <a:schemeClr val="bg1">
-                  <a:lumMod val="95000"/>
-                </a:schemeClr>
-              </a:solidFill>
-              <a:latin typeface="Times New Roman" panose="02020603050405020304" pitchFamily="18" charset="0"/>
-              <a:cs typeface="Times New Roman" panose="02020603050405020304" pitchFamily="18" charset="0"/>
-            </a:endParaRPr>
-          </a:p>
-          <a:p>
-            <a:br>
-              <a:rPr lang="en-US" dirty="0">
-                <a:latin typeface="Times New Roman" panose="02020603050405020304" pitchFamily="18" charset="0"/>
-                <a:cs typeface="Times New Roman" panose="02020603050405020304" pitchFamily="18" charset="0"/>
-              </a:rPr>
-            </a:br>
-            <a:endParaRPr lang="en-IN" dirty="0">
-              <a:latin typeface="Times New Roman" panose="02020603050405020304" pitchFamily="18" charset="0"/>
-              <a:cs typeface="Times New Roman" panose="02020603050405020304" pitchFamily="18" charset="0"/>
-            </a:endParaRPr>
-          </a:p>
-        </p:txBody>
-      </p:sp>
-      <p:pic>
-        <p:nvPicPr>
-          <p:cNvPr id="7" name="Picture Placeholder 6">
-            <a:extLst>
-              <a:ext uri="{FF2B5EF4-FFF2-40B4-BE49-F238E27FC236}">
-                <a16:creationId xmlns:a16="http://schemas.microsoft.com/office/drawing/2014/main" id="{83B83E89-6521-6895-D453-3C3D16F250D1}"/>
-              </a:ext>
-            </a:extLst>
-          </p:cNvPr>
-          <p:cNvPicPr>
-            <a:picLocks noGrp="1" noChangeAspect="1"/>
-          </p:cNvPicPr>
-          <p:nvPr>
-            <p:ph type="pic" sz="quarter" idx="10"/>
-          </p:nvPr>
-        </p:nvPicPr>
-        <p:blipFill>
-          <a:blip r:embed="rId2"/>
-          <a:srcRect l="28003" r="28003"/>
-          <a:stretch>
-            <a:fillRect/>
-          </a:stretch>
-        </p:blipFill>
-        <p:spPr>
-          <a:xfrm>
-            <a:off x="571501" y="1"/>
-            <a:ext cx="5736632" cy="6631388"/>
-          </a:xfrm>
-        </p:spPr>
-      </p:pic>
+        </p:txBody>
+      </p:sp>
     </p:spTree>
     <p:extLst>
       <p:ext uri="{BB962C8B-B14F-4D97-AF65-F5344CB8AC3E}">
-        <p14:creationId xmlns:p14="http://schemas.microsoft.com/office/powerpoint/2010/main" val="2037163398"/>
+        <p14:creationId xmlns:p14="http://schemas.microsoft.com/office/powerpoint/2010/main" val="3223697331"/>
       </p:ext>
     </p:extLst>
   </p:cSld>
@@ -28386,6 +28339,554 @@
       </p:grpSpPr>
       <p:sp>
         <p:nvSpPr>
+          <p:cNvPr id="3" name="Slide Number Placeholder 2">
+            <a:extLst>
+              <a:ext uri="{FF2B5EF4-FFF2-40B4-BE49-F238E27FC236}">
+                <a16:creationId xmlns:a16="http://schemas.microsoft.com/office/drawing/2014/main" id="{581E71C2-3FC1-41C1-8255-33A1AC802247}"/>
+              </a:ext>
+            </a:extLst>
+          </p:cNvPr>
+          <p:cNvSpPr>
+            <a:spLocks noGrp="1"/>
+          </p:cNvSpPr>
+          <p:nvPr>
+            <p:ph type="sldNum" sz="quarter" idx="12"/>
+          </p:nvPr>
+        </p:nvSpPr>
+        <p:spPr/>
+        <p:txBody>
+          <a:bodyPr/>
+          <a:lstStyle/>
+          <a:p>
+            <a:fld id="{03DC2DEF-D2FE-4B45-ABA4-9F153FD1C98A}" type="slidenum">
+              <a:rPr lang="en-US" smtClean="0"/>
+              <a:t>6</a:t>
+            </a:fld>
+            <a:endParaRPr lang="en-US" dirty="0"/>
+          </a:p>
+        </p:txBody>
+      </p:sp>
+      <p:sp>
+        <p:nvSpPr>
+          <p:cNvPr id="6" name="Chart Placeholder 5">
+            <a:extLst>
+              <a:ext uri="{FF2B5EF4-FFF2-40B4-BE49-F238E27FC236}">
+                <a16:creationId xmlns:a16="http://schemas.microsoft.com/office/drawing/2014/main" id="{05B71F7A-E26E-B482-04F0-749D2180049C}"/>
+              </a:ext>
+            </a:extLst>
+          </p:cNvPr>
+          <p:cNvSpPr>
+            <a:spLocks noGrp="1"/>
+          </p:cNvSpPr>
+          <p:nvPr>
+            <p:ph type="chart" sz="quarter" idx="13"/>
+          </p:nvPr>
+        </p:nvSpPr>
+        <p:spPr/>
+        <p:txBody>
+          <a:bodyPr/>
+          <a:lstStyle/>
+          <a:p>
+            <a:endParaRPr lang="en-US"/>
+          </a:p>
+        </p:txBody>
+      </p:sp>
+      <p:pic>
+        <p:nvPicPr>
+          <p:cNvPr id="8" name="Picture 7">
+            <a:extLst>
+              <a:ext uri="{FF2B5EF4-FFF2-40B4-BE49-F238E27FC236}">
+                <a16:creationId xmlns:a16="http://schemas.microsoft.com/office/drawing/2014/main" id="{9B1758D7-74FF-0DB0-A8D4-2AD910A36F17}"/>
+              </a:ext>
+            </a:extLst>
+          </p:cNvPr>
+          <p:cNvPicPr>
+            <a:picLocks noChangeAspect="1"/>
+          </p:cNvPicPr>
+          <p:nvPr/>
+        </p:nvPicPr>
+        <p:blipFill>
+          <a:blip r:embed="rId2"/>
+          <a:stretch>
+            <a:fillRect/>
+          </a:stretch>
+        </p:blipFill>
+        <p:spPr>
+          <a:xfrm>
+            <a:off x="6455132" y="1233487"/>
+            <a:ext cx="5276751" cy="4967287"/>
+          </a:xfrm>
+          <a:prstGeom prst="rect">
+            <a:avLst/>
+          </a:prstGeom>
+        </p:spPr>
+      </p:pic>
+      <p:pic>
+        <p:nvPicPr>
+          <p:cNvPr id="10" name="Picture 9">
+            <a:extLst>
+              <a:ext uri="{FF2B5EF4-FFF2-40B4-BE49-F238E27FC236}">
+                <a16:creationId xmlns:a16="http://schemas.microsoft.com/office/drawing/2014/main" id="{69AD34F5-C4AC-B633-6809-94DCB0632B8E}"/>
+              </a:ext>
+            </a:extLst>
+          </p:cNvPr>
+          <p:cNvPicPr>
+            <a:picLocks noChangeAspect="1"/>
+          </p:cNvPicPr>
+          <p:nvPr/>
+        </p:nvPicPr>
+        <p:blipFill>
+          <a:blip r:embed="rId3"/>
+          <a:stretch>
+            <a:fillRect/>
+          </a:stretch>
+        </p:blipFill>
+        <p:spPr>
+          <a:xfrm>
+            <a:off x="337167" y="1233487"/>
+            <a:ext cx="5957886" cy="4967287"/>
+          </a:xfrm>
+          <a:prstGeom prst="rect">
+            <a:avLst/>
+          </a:prstGeom>
+        </p:spPr>
+      </p:pic>
+      <p:sp>
+        <p:nvSpPr>
+          <p:cNvPr id="7" name="TextBox 6">
+            <a:extLst>
+              <a:ext uri="{FF2B5EF4-FFF2-40B4-BE49-F238E27FC236}">
+                <a16:creationId xmlns:a16="http://schemas.microsoft.com/office/drawing/2014/main" id="{4A20F83F-B1B6-08EC-F809-49CC97653DA9}"/>
+              </a:ext>
+            </a:extLst>
+          </p:cNvPr>
+          <p:cNvSpPr txBox="1"/>
+          <p:nvPr/>
+        </p:nvSpPr>
+        <p:spPr>
+          <a:xfrm>
+            <a:off x="447869" y="307910"/>
+            <a:ext cx="11367769" cy="584775"/>
+          </a:xfrm>
+          <a:prstGeom prst="rect">
+            <a:avLst/>
+          </a:prstGeom>
+          <a:solidFill>
+            <a:schemeClr val="accent1"/>
+          </a:solidFill>
+        </p:spPr>
+        <p:txBody>
+          <a:bodyPr wrap="square" rtlCol="0">
+            <a:spAutoFit/>
+          </a:bodyPr>
+          <a:lstStyle/>
+          <a:p>
+            <a:r>
+              <a:rPr lang="en-US" sz="3200" b="1" i="0" dirty="0">
+                <a:solidFill>
+                  <a:schemeClr val="bg1">
+                    <a:lumMod val="95000"/>
+                  </a:schemeClr>
+                </a:solidFill>
+                <a:effectLst/>
+                <a:latin typeface="Times New Roman" panose="02020603050405020304" pitchFamily="18" charset="0"/>
+                <a:cs typeface="Times New Roman" panose="02020603050405020304" pitchFamily="18" charset="0"/>
+              </a:rPr>
+              <a:t>Bank Fraud Statistics in India</a:t>
+            </a:r>
+            <a:endParaRPr lang="en-IN" sz="3200" dirty="0">
+              <a:solidFill>
+                <a:schemeClr val="bg1">
+                  <a:lumMod val="95000"/>
+                </a:schemeClr>
+              </a:solidFill>
+              <a:latin typeface="Times New Roman" panose="02020603050405020304" pitchFamily="18" charset="0"/>
+              <a:cs typeface="Times New Roman" panose="02020603050405020304" pitchFamily="18" charset="0"/>
+            </a:endParaRPr>
+          </a:p>
+        </p:txBody>
+      </p:sp>
+    </p:spTree>
+    <p:extLst>
+      <p:ext uri="{BB962C8B-B14F-4D97-AF65-F5344CB8AC3E}">
+        <p14:creationId xmlns:p14="http://schemas.microsoft.com/office/powerpoint/2010/main" val="2900026269"/>
+      </p:ext>
+    </p:extLst>
+  </p:cSld>
+  <p:clrMapOvr>
+    <a:masterClrMapping/>
+  </p:clrMapOvr>
+</p:sld>
+</file>
+
+<file path=ppt/slides/slide7.xml><?xml version="1.0" encoding="utf-8"?>
+<p:sld xmlns:a="http://schemas.openxmlformats.org/drawingml/2006/main" xmlns:r="http://schemas.openxmlformats.org/officeDocument/2006/relationships" xmlns:p="http://schemas.openxmlformats.org/presentationml/2006/main">
+  <p:cSld>
+    <p:spTree>
+      <p:nvGrpSpPr>
+        <p:cNvPr id="1" name=""/>
+        <p:cNvGrpSpPr/>
+        <p:nvPr/>
+      </p:nvGrpSpPr>
+      <p:grpSpPr>
+        <a:xfrm>
+          <a:off x="0" y="0"/>
+          <a:ext cx="0" cy="0"/>
+          <a:chOff x="0" y="0"/>
+          <a:chExt cx="0" cy="0"/>
+        </a:xfrm>
+      </p:grpSpPr>
+      <p:sp>
+        <p:nvSpPr>
+          <p:cNvPr id="4" name="Subtitle 3">
+            <a:extLst>
+              <a:ext uri="{FF2B5EF4-FFF2-40B4-BE49-F238E27FC236}">
+                <a16:creationId xmlns:a16="http://schemas.microsoft.com/office/drawing/2014/main" id="{9B05EAFB-F852-F063-297E-B2AA79A9298B}"/>
+              </a:ext>
+            </a:extLst>
+          </p:cNvPr>
+          <p:cNvSpPr>
+            <a:spLocks noGrp="1"/>
+          </p:cNvSpPr>
+          <p:nvPr>
+            <p:ph type="subTitle" idx="1"/>
+          </p:nvPr>
+        </p:nvSpPr>
+        <p:spPr>
+          <a:xfrm>
+            <a:off x="6697771" y="431479"/>
+            <a:ext cx="5300747" cy="6112444"/>
+          </a:xfrm>
+        </p:spPr>
+        <p:txBody>
+          <a:bodyPr>
+            <a:normAutofit fontScale="70000" lnSpcReduction="20000"/>
+          </a:bodyPr>
+          <a:lstStyle/>
+          <a:p>
+            <a:endParaRPr lang="en-US" dirty="0">
+              <a:latin typeface="Times New Roman" panose="02020603050405020304" pitchFamily="18" charset="0"/>
+              <a:cs typeface="Times New Roman" panose="02020603050405020304" pitchFamily="18" charset="0"/>
+            </a:endParaRPr>
+          </a:p>
+          <a:p>
+            <a:r>
+              <a:rPr lang="en-US" dirty="0">
+                <a:latin typeface="Times New Roman" panose="02020603050405020304" pitchFamily="18" charset="0"/>
+                <a:cs typeface="Times New Roman" panose="02020603050405020304" pitchFamily="18" charset="0"/>
+              </a:rPr>
+              <a:t>We need a </a:t>
+            </a:r>
+            <a:r>
+              <a:rPr lang="en-US" b="1" dirty="0">
+                <a:latin typeface="Times New Roman" panose="02020603050405020304" pitchFamily="18" charset="0"/>
+                <a:cs typeface="Times New Roman" panose="02020603050405020304" pitchFamily="18" charset="0"/>
+              </a:rPr>
+              <a:t>highly scalable web3 </a:t>
+            </a:r>
+            <a:r>
+              <a:rPr lang="en-US" dirty="0">
+                <a:latin typeface="Times New Roman" panose="02020603050405020304" pitchFamily="18" charset="0"/>
+                <a:cs typeface="Times New Roman" panose="02020603050405020304" pitchFamily="18" charset="0"/>
+              </a:rPr>
+              <a:t>system to decrease</a:t>
+            </a:r>
+          </a:p>
+          <a:p>
+            <a:pPr marL="800100" lvl="1" indent="-342900" algn="l">
+              <a:buFont typeface="Arial" panose="020B0604020202020204" pitchFamily="34" charset="0"/>
+              <a:buChar char="•"/>
+            </a:pPr>
+            <a:r>
+              <a:rPr lang="en-US" sz="2600" dirty="0">
+                <a:solidFill>
+                  <a:srgbClr val="FFFF00"/>
+                </a:solidFill>
+                <a:latin typeface="Times New Roman" panose="02020603050405020304" pitchFamily="18" charset="0"/>
+                <a:cs typeface="Times New Roman" panose="02020603050405020304" pitchFamily="18" charset="0"/>
+              </a:rPr>
+              <a:t>Fraud affecting Lenders for system integrity</a:t>
+            </a:r>
+          </a:p>
+          <a:p>
+            <a:pPr marL="800100" lvl="1" indent="-342900" algn="l">
+              <a:buFont typeface="Arial" panose="020B0604020202020204" pitchFamily="34" charset="0"/>
+              <a:buChar char="•"/>
+            </a:pPr>
+            <a:r>
+              <a:rPr lang="en-US" sz="2600" dirty="0">
+                <a:solidFill>
+                  <a:srgbClr val="FFFF00"/>
+                </a:solidFill>
+                <a:latin typeface="Times New Roman" panose="02020603050405020304" pitchFamily="18" charset="0"/>
+                <a:cs typeface="Times New Roman" panose="02020603050405020304" pitchFamily="18" charset="0"/>
+              </a:rPr>
+              <a:t>Discrepancies for increased efficiencies</a:t>
+            </a:r>
+            <a:br>
+              <a:rPr lang="en-US" dirty="0">
+                <a:latin typeface="Times New Roman" panose="02020603050405020304" pitchFamily="18" charset="0"/>
+                <a:cs typeface="Times New Roman" panose="02020603050405020304" pitchFamily="18" charset="0"/>
+              </a:rPr>
+            </a:br>
+            <a:endParaRPr lang="en-US" dirty="0">
+              <a:latin typeface="Times New Roman" panose="02020603050405020304" pitchFamily="18" charset="0"/>
+              <a:cs typeface="Times New Roman" panose="02020603050405020304" pitchFamily="18" charset="0"/>
+            </a:endParaRPr>
+          </a:p>
+          <a:p>
+            <a:endParaRPr lang="en-US" dirty="0">
+              <a:solidFill>
+                <a:schemeClr val="bg1">
+                  <a:lumMod val="95000"/>
+                </a:schemeClr>
+              </a:solidFill>
+              <a:latin typeface="Times New Roman" panose="02020603050405020304" pitchFamily="18" charset="0"/>
+              <a:cs typeface="Times New Roman" panose="02020603050405020304" pitchFamily="18" charset="0"/>
+            </a:endParaRPr>
+          </a:p>
+          <a:p>
+            <a:r>
+              <a:rPr lang="en-US" dirty="0">
+                <a:solidFill>
+                  <a:schemeClr val="bg1">
+                    <a:lumMod val="95000"/>
+                  </a:schemeClr>
+                </a:solidFill>
+                <a:latin typeface="Times New Roman" panose="02020603050405020304" pitchFamily="18" charset="0"/>
+                <a:cs typeface="Times New Roman" panose="02020603050405020304" pitchFamily="18" charset="0"/>
+              </a:rPr>
+              <a:t>SOLUTION:</a:t>
+            </a:r>
+          </a:p>
+          <a:p>
+            <a:r>
+              <a:rPr lang="en-US" dirty="0">
+                <a:solidFill>
+                  <a:schemeClr val="bg1">
+                    <a:lumMod val="95000"/>
+                  </a:schemeClr>
+                </a:solidFill>
+                <a:latin typeface="Times New Roman" panose="02020603050405020304" pitchFamily="18" charset="0"/>
+                <a:cs typeface="Times New Roman" panose="02020603050405020304" pitchFamily="18" charset="0"/>
+              </a:rPr>
+              <a:t>Blockchain solution to reduce</a:t>
+            </a:r>
+          </a:p>
+          <a:p>
+            <a:pPr marL="800100" lvl="1" indent="-342900" algn="l">
+              <a:buFont typeface="Arial" panose="020B0604020202020204" pitchFamily="34" charset="0"/>
+              <a:buChar char="•"/>
+            </a:pPr>
+            <a:r>
+              <a:rPr lang="en-US" sz="2600" dirty="0">
+                <a:solidFill>
+                  <a:srgbClr val="FFFF00"/>
+                </a:solidFill>
+                <a:latin typeface="Times New Roman" panose="02020603050405020304" pitchFamily="18" charset="0"/>
+                <a:cs typeface="Times New Roman" panose="02020603050405020304" pitchFamily="18" charset="0"/>
+              </a:rPr>
+              <a:t>Fraud affecting Lenders for system integrity</a:t>
+            </a:r>
+          </a:p>
+          <a:p>
+            <a:pPr marL="800100" lvl="1" indent="-342900" algn="l">
+              <a:buFont typeface="Arial" panose="020B0604020202020204" pitchFamily="34" charset="0"/>
+              <a:buChar char="•"/>
+            </a:pPr>
+            <a:r>
+              <a:rPr lang="en-US" sz="2600" dirty="0">
+                <a:solidFill>
+                  <a:srgbClr val="FFFF00"/>
+                </a:solidFill>
+                <a:latin typeface="Times New Roman" panose="02020603050405020304" pitchFamily="18" charset="0"/>
+                <a:cs typeface="Times New Roman" panose="02020603050405020304" pitchFamily="18" charset="0"/>
+              </a:rPr>
+              <a:t>Discrepancy reduction and reconciliation for increasing efficiencies</a:t>
+            </a:r>
+          </a:p>
+          <a:p>
+            <a:pPr lvl="1" algn="l"/>
+            <a:endParaRPr lang="en-US" dirty="0">
+              <a:solidFill>
+                <a:schemeClr val="bg1">
+                  <a:lumMod val="95000"/>
+                </a:schemeClr>
+              </a:solidFill>
+              <a:latin typeface="Times New Roman" panose="02020603050405020304" pitchFamily="18" charset="0"/>
+              <a:cs typeface="Times New Roman" panose="02020603050405020304" pitchFamily="18" charset="0"/>
+            </a:endParaRPr>
+          </a:p>
+          <a:p>
+            <a:r>
+              <a:rPr lang="en-US" dirty="0">
+                <a:solidFill>
+                  <a:schemeClr val="bg1">
+                    <a:lumMod val="95000"/>
+                  </a:schemeClr>
+                </a:solidFill>
+                <a:latin typeface="Times New Roman" panose="02020603050405020304" pitchFamily="18" charset="0"/>
+                <a:cs typeface="Times New Roman" panose="02020603050405020304" pitchFamily="18" charset="0"/>
+              </a:rPr>
+              <a:t>Authentic SUBNETs ( Registrars)  host Tokenized RWAs, and Inquiries</a:t>
+            </a:r>
+          </a:p>
+          <a:p>
+            <a:pPr marL="342900" indent="-342900">
+              <a:buFont typeface="Arial" panose="020B0604020202020204" pitchFamily="34" charset="0"/>
+              <a:buChar char="•"/>
+            </a:pPr>
+            <a:r>
+              <a:rPr lang="en-US" dirty="0">
+                <a:solidFill>
+                  <a:srgbClr val="FFFF00"/>
+                </a:solidFill>
+                <a:latin typeface="Times New Roman" panose="02020603050405020304" pitchFamily="18" charset="0"/>
+                <a:cs typeface="Times New Roman" panose="02020603050405020304" pitchFamily="18" charset="0"/>
+              </a:rPr>
+              <a:t>   </a:t>
+            </a:r>
+            <a:r>
+              <a:rPr lang="en-US" sz="2600" dirty="0">
+                <a:solidFill>
+                  <a:srgbClr val="FFFF00"/>
+                </a:solidFill>
+                <a:latin typeface="Times New Roman" panose="02020603050405020304" pitchFamily="18" charset="0"/>
+                <a:cs typeface="Times New Roman" panose="02020603050405020304" pitchFamily="18" charset="0"/>
+              </a:rPr>
+              <a:t>that verifiers can be used for verifying</a:t>
+            </a:r>
+          </a:p>
+          <a:p>
+            <a:r>
+              <a:rPr lang="en-US" sz="2600" dirty="0">
+                <a:solidFill>
+                  <a:srgbClr val="FFFF00"/>
+                </a:solidFill>
+                <a:latin typeface="Times New Roman" panose="02020603050405020304" pitchFamily="18" charset="0"/>
+                <a:cs typeface="Times New Roman" panose="02020603050405020304" pitchFamily="18" charset="0"/>
+              </a:rPr>
+              <a:t>	Ownership</a:t>
+            </a:r>
+          </a:p>
+          <a:p>
+            <a:r>
+              <a:rPr lang="en-US" sz="2600" dirty="0">
+                <a:solidFill>
+                  <a:srgbClr val="FFFF00"/>
+                </a:solidFill>
+                <a:latin typeface="Times New Roman" panose="02020603050405020304" pitchFamily="18" charset="0"/>
+                <a:cs typeface="Times New Roman" panose="02020603050405020304" pitchFamily="18" charset="0"/>
+              </a:rPr>
+              <a:t>	Double spending</a:t>
+            </a:r>
+          </a:p>
+          <a:p>
+            <a:endParaRPr lang="en-US" dirty="0">
+              <a:solidFill>
+                <a:srgbClr val="FFFF00"/>
+              </a:solidFill>
+              <a:latin typeface="Times New Roman" panose="02020603050405020304" pitchFamily="18" charset="0"/>
+              <a:cs typeface="Times New Roman" panose="02020603050405020304" pitchFamily="18" charset="0"/>
+            </a:endParaRPr>
+          </a:p>
+          <a:p>
+            <a:endParaRPr lang="en-US" dirty="0">
+              <a:solidFill>
+                <a:srgbClr val="FFFF00"/>
+              </a:solidFill>
+              <a:latin typeface="Times New Roman" panose="02020603050405020304" pitchFamily="18" charset="0"/>
+              <a:cs typeface="Times New Roman" panose="02020603050405020304" pitchFamily="18" charset="0"/>
+            </a:endParaRPr>
+          </a:p>
+          <a:p>
+            <a:pPr lvl="1"/>
+            <a:endParaRPr lang="en-US" dirty="0">
+              <a:solidFill>
+                <a:schemeClr val="bg1">
+                  <a:lumMod val="95000"/>
+                </a:schemeClr>
+              </a:solidFill>
+              <a:latin typeface="Times New Roman" panose="02020603050405020304" pitchFamily="18" charset="0"/>
+              <a:cs typeface="Times New Roman" panose="02020603050405020304" pitchFamily="18" charset="0"/>
+            </a:endParaRPr>
+          </a:p>
+          <a:p>
+            <a:br>
+              <a:rPr lang="en-US" dirty="0">
+                <a:latin typeface="Times New Roman" panose="02020603050405020304" pitchFamily="18" charset="0"/>
+                <a:cs typeface="Times New Roman" panose="02020603050405020304" pitchFamily="18" charset="0"/>
+              </a:rPr>
+            </a:br>
+            <a:endParaRPr lang="en-IN" dirty="0">
+              <a:latin typeface="Times New Roman" panose="02020603050405020304" pitchFamily="18" charset="0"/>
+              <a:cs typeface="Times New Roman" panose="02020603050405020304" pitchFamily="18" charset="0"/>
+            </a:endParaRPr>
+          </a:p>
+        </p:txBody>
+      </p:sp>
+      <p:pic>
+        <p:nvPicPr>
+          <p:cNvPr id="7" name="Picture Placeholder 6">
+            <a:extLst>
+              <a:ext uri="{FF2B5EF4-FFF2-40B4-BE49-F238E27FC236}">
+                <a16:creationId xmlns:a16="http://schemas.microsoft.com/office/drawing/2014/main" id="{83B83E89-6521-6895-D453-3C3D16F250D1}"/>
+              </a:ext>
+            </a:extLst>
+          </p:cNvPr>
+          <p:cNvPicPr>
+            <a:picLocks noGrp="1" noChangeAspect="1"/>
+          </p:cNvPicPr>
+          <p:nvPr>
+            <p:ph type="pic" sz="quarter" idx="10"/>
+          </p:nvPr>
+        </p:nvPicPr>
+        <p:blipFill>
+          <a:blip r:embed="rId2"/>
+          <a:srcRect l="28003" r="28003"/>
+          <a:stretch>
+            <a:fillRect/>
+          </a:stretch>
+        </p:blipFill>
+        <p:spPr>
+          <a:xfrm>
+            <a:off x="571501" y="1"/>
+            <a:ext cx="5736632" cy="6631388"/>
+          </a:xfrm>
+        </p:spPr>
+      </p:pic>
+    </p:spTree>
+    <p:extLst>
+      <p:ext uri="{BB962C8B-B14F-4D97-AF65-F5344CB8AC3E}">
+        <p14:creationId xmlns:p14="http://schemas.microsoft.com/office/powerpoint/2010/main" val="2037163398"/>
+      </p:ext>
+    </p:extLst>
+  </p:cSld>
+  <p:clrMapOvr>
+    <a:masterClrMapping/>
+  </p:clrMapOvr>
+</p:sld>
+</file>
+
+<file path=ppt/slides/slide8.xml><?xml version="1.0" encoding="utf-8"?>
+<p:sld xmlns:a="http://schemas.openxmlformats.org/drawingml/2006/main" xmlns:r="http://schemas.openxmlformats.org/officeDocument/2006/relationships" xmlns:p="http://schemas.openxmlformats.org/presentationml/2006/main">
+  <p:cSld>
+    <p:spTree>
+      <p:nvGrpSpPr>
+        <p:cNvPr id="1" name=""/>
+        <p:cNvGrpSpPr/>
+        <p:nvPr/>
+      </p:nvGrpSpPr>
+      <p:grpSpPr>
+        <a:xfrm>
+          <a:off x="0" y="0"/>
+          <a:ext cx="0" cy="0"/>
+          <a:chOff x="0" y="0"/>
+          <a:chExt cx="0" cy="0"/>
+        </a:xfrm>
+      </p:grpSpPr>
+      <p:sp>
+        <p:nvSpPr>
           <p:cNvPr id="3" name="Title 2">
             <a:extLst>
               <a:ext uri="{FF2B5EF4-FFF2-40B4-BE49-F238E27FC236}">
@@ -28423,50 +28924,6 @@
               <a:latin typeface="Times New Roman" panose="02020603050405020304" pitchFamily="18" charset="0"/>
               <a:cs typeface="Times New Roman" panose="02020603050405020304" pitchFamily="18" charset="0"/>
             </a:endParaRPr>
-          </a:p>
-        </p:txBody>
-      </p:sp>
-      <p:sp>
-        <p:nvSpPr>
-          <p:cNvPr id="5" name="Rectangle 4">
-            <a:extLst>
-              <a:ext uri="{FF2B5EF4-FFF2-40B4-BE49-F238E27FC236}">
-                <a16:creationId xmlns:a16="http://schemas.microsoft.com/office/drawing/2014/main" id="{5EC1D931-9081-B3EB-D749-8E5CC5809841}"/>
-              </a:ext>
-            </a:extLst>
-          </p:cNvPr>
-          <p:cNvSpPr/>
-          <p:nvPr/>
-        </p:nvSpPr>
-        <p:spPr>
-          <a:xfrm>
-            <a:off x="316889" y="1021235"/>
-            <a:ext cx="5779111" cy="5314251"/>
-          </a:xfrm>
-          <a:prstGeom prst="rect">
-            <a:avLst/>
-          </a:prstGeom>
-        </p:spPr>
-        <p:style>
-          <a:lnRef idx="2">
-            <a:schemeClr val="dk1"/>
-          </a:lnRef>
-          <a:fillRef idx="1">
-            <a:schemeClr val="lt1"/>
-          </a:fillRef>
-          <a:effectRef idx="0">
-            <a:schemeClr val="dk1"/>
-          </a:effectRef>
-          <a:fontRef idx="minor">
-            <a:schemeClr val="dk1"/>
-          </a:fontRef>
-        </p:style>
-        <p:txBody>
-          <a:bodyPr rtlCol="0" anchor="ctr"/>
-          <a:lstStyle/>
-          <a:p>
-            <a:pPr algn="ctr"/>
-            <a:endParaRPr lang="en-IN" sz="1100"/>
           </a:p>
         </p:txBody>
       </p:sp>
@@ -28594,997 +29051,133 @@
             <a:fld id="{03DC2DEF-D2FE-4B45-ABA4-9F153FD1C98A}" type="slidenum">
               <a:rPr lang="en-US" sz="1100" smtClean="0"/>
               <a:pPr/>
-              <a:t>6</a:t>
+              <a:t>8</a:t>
             </a:fld>
             <a:endParaRPr lang="en-US" sz="1100" dirty="0"/>
           </a:p>
         </p:txBody>
       </p:sp>
-      <p:sp>
-        <p:nvSpPr>
-          <p:cNvPr id="7" name="Rectangle: Rounded Corners 6">
-            <a:extLst>
-              <a:ext uri="{FF2B5EF4-FFF2-40B4-BE49-F238E27FC236}">
-                <a16:creationId xmlns:a16="http://schemas.microsoft.com/office/drawing/2014/main" id="{83C8BB7F-E168-6D20-BA6E-2CCA14CF0819}"/>
-              </a:ext>
-            </a:extLst>
-          </p:cNvPr>
-          <p:cNvSpPr/>
+      <p:pic>
+        <p:nvPicPr>
+          <p:cNvPr id="22" name="Picture 21" descr="A diagram of a network&#10;&#10;Description automatically generated">
+            <a:extLst>
+              <a:ext uri="{FF2B5EF4-FFF2-40B4-BE49-F238E27FC236}">
+                <a16:creationId xmlns:a16="http://schemas.microsoft.com/office/drawing/2014/main" id="{A68F6171-D0B4-1F9D-D6BD-8C6F9AA0742C}"/>
+              </a:ext>
+            </a:extLst>
+          </p:cNvPr>
+          <p:cNvPicPr>
+            <a:picLocks noChangeAspect="1"/>
+          </p:cNvPicPr>
           <p:nvPr/>
-        </p:nvSpPr>
-        <p:spPr>
-          <a:xfrm>
-            <a:off x="2838863" y="3573688"/>
-            <a:ext cx="798797" cy="867961"/>
-          </a:xfrm>
-          <a:prstGeom prst="roundRect">
-            <a:avLst/>
-          </a:prstGeom>
-          <a:ln>
-            <a:headEnd type="none" w="med" len="med"/>
-            <a:tailEnd type="none" w="med" len="med"/>
-          </a:ln>
-        </p:spPr>
-        <p:style>
-          <a:lnRef idx="2">
-            <a:schemeClr val="accent1">
-              <a:shade val="15000"/>
-            </a:schemeClr>
-          </a:lnRef>
-          <a:fillRef idx="1">
-            <a:schemeClr val="accent1"/>
-          </a:fillRef>
-          <a:effectRef idx="0">
-            <a:schemeClr val="accent1"/>
-          </a:effectRef>
-          <a:fontRef idx="minor">
-            <a:schemeClr val="lt1"/>
-          </a:fontRef>
-        </p:style>
-        <p:txBody>
-          <a:bodyPr rtlCol="0" anchor="ctr"/>
-          <a:lstStyle/>
-          <a:p>
-            <a:pPr algn="ctr"/>
-            <a:endParaRPr lang="en-IN" sz="1100" dirty="0"/>
-          </a:p>
-        </p:txBody>
-      </p:sp>
-      <p:sp>
-        <p:nvSpPr>
-          <p:cNvPr id="8" name="TextBox 7">
-            <a:extLst>
-              <a:ext uri="{FF2B5EF4-FFF2-40B4-BE49-F238E27FC236}">
-                <a16:creationId xmlns:a16="http://schemas.microsoft.com/office/drawing/2014/main" id="{1829D9A7-4CE3-510E-BDF3-752B62E2B680}"/>
-              </a:ext>
-            </a:extLst>
-          </p:cNvPr>
-          <p:cNvSpPr txBox="1"/>
-          <p:nvPr/>
-        </p:nvSpPr>
-        <p:spPr>
-          <a:xfrm>
-            <a:off x="2814879" y="1763690"/>
-            <a:ext cx="798796" cy="261610"/>
+        </p:nvPicPr>
+        <p:blipFill>
+          <a:blip r:embed="rId2"/>
+          <a:stretch>
+            <a:fillRect/>
+          </a:stretch>
+        </p:blipFill>
+        <p:spPr>
+          <a:xfrm>
+            <a:off x="2209800" y="1582341"/>
+            <a:ext cx="7772400" cy="4115466"/>
           </a:xfrm>
           <a:prstGeom prst="rect">
             <a:avLst/>
           </a:prstGeom>
-          <a:noFill/>
-        </p:spPr>
-        <p:txBody>
-          <a:bodyPr wrap="square" rtlCol="0">
-            <a:spAutoFit/>
-          </a:bodyPr>
-          <a:lstStyle/>
-          <a:p>
-            <a:pPr algn="ctr"/>
-            <a:r>
-              <a:rPr lang="en-US" sz="1100" dirty="0">
-                <a:solidFill>
-                  <a:schemeClr val="bg1"/>
-                </a:solidFill>
-                <a:latin typeface="Times New Roman" panose="02020603050405020304" pitchFamily="18" charset="0"/>
-                <a:cs typeface="Times New Roman" panose="02020603050405020304" pitchFamily="18" charset="0"/>
-              </a:rPr>
-              <a:t>FVM(L1)</a:t>
-            </a:r>
-            <a:endParaRPr lang="en-IN" sz="1100" dirty="0">
-              <a:solidFill>
-                <a:schemeClr val="bg1"/>
-              </a:solidFill>
-              <a:latin typeface="Times New Roman" panose="02020603050405020304" pitchFamily="18" charset="0"/>
-              <a:cs typeface="Times New Roman" panose="02020603050405020304" pitchFamily="18" charset="0"/>
-            </a:endParaRPr>
-          </a:p>
-        </p:txBody>
-      </p:sp>
-      <p:sp>
-        <p:nvSpPr>
-          <p:cNvPr id="9" name="Rectangle: Rounded Corners 8">
-            <a:extLst>
-              <a:ext uri="{FF2B5EF4-FFF2-40B4-BE49-F238E27FC236}">
-                <a16:creationId xmlns:a16="http://schemas.microsoft.com/office/drawing/2014/main" id="{47DBDED6-5FE7-1325-7F08-B04CA6256781}"/>
-              </a:ext>
-            </a:extLst>
-          </p:cNvPr>
-          <p:cNvSpPr/>
-          <p:nvPr/>
-        </p:nvSpPr>
-        <p:spPr>
-          <a:xfrm>
-            <a:off x="2831639" y="1436769"/>
-            <a:ext cx="872613" cy="867961"/>
-          </a:xfrm>
-          <a:prstGeom prst="roundRect">
-            <a:avLst/>
-          </a:prstGeom>
-          <a:ln>
-            <a:headEnd type="none" w="med" len="med"/>
-            <a:tailEnd type="none" w="med" len="med"/>
-          </a:ln>
-        </p:spPr>
-        <p:style>
-          <a:lnRef idx="2">
-            <a:schemeClr val="accent1">
-              <a:shade val="15000"/>
-            </a:schemeClr>
-          </a:lnRef>
-          <a:fillRef idx="1">
-            <a:schemeClr val="accent1"/>
-          </a:fillRef>
-          <a:effectRef idx="0">
-            <a:schemeClr val="accent1"/>
-          </a:effectRef>
-          <a:fontRef idx="minor">
-            <a:schemeClr val="lt1"/>
-          </a:fontRef>
-        </p:style>
-        <p:txBody>
-          <a:bodyPr rtlCol="0" anchor="ctr"/>
-          <a:lstStyle/>
-          <a:p>
-            <a:pPr algn="ctr"/>
-            <a:r>
-              <a:rPr lang="en-US" sz="1100" dirty="0">
-                <a:latin typeface="Times New Roman" panose="02020603050405020304" pitchFamily="18" charset="0"/>
-                <a:cs typeface="Times New Roman" panose="02020603050405020304" pitchFamily="18" charset="0"/>
-              </a:rPr>
-              <a:t>FVM(L1)</a:t>
-            </a:r>
-            <a:endParaRPr lang="en-IN" sz="1100" dirty="0">
-              <a:latin typeface="Times New Roman" panose="02020603050405020304" pitchFamily="18" charset="0"/>
-              <a:cs typeface="Times New Roman" panose="02020603050405020304" pitchFamily="18" charset="0"/>
-            </a:endParaRPr>
-          </a:p>
-        </p:txBody>
-      </p:sp>
-      <p:sp>
-        <p:nvSpPr>
-          <p:cNvPr id="10" name="TextBox 9">
-            <a:extLst>
-              <a:ext uri="{FF2B5EF4-FFF2-40B4-BE49-F238E27FC236}">
-                <a16:creationId xmlns:a16="http://schemas.microsoft.com/office/drawing/2014/main" id="{FB723FE3-D5CF-1AC8-1781-98DC51AD8469}"/>
-              </a:ext>
-            </a:extLst>
-          </p:cNvPr>
-          <p:cNvSpPr txBox="1"/>
-          <p:nvPr/>
-        </p:nvSpPr>
-        <p:spPr>
-          <a:xfrm>
-            <a:off x="2887183" y="3604006"/>
-            <a:ext cx="726492" cy="261610"/>
-          </a:xfrm>
-          <a:prstGeom prst="rect">
-            <a:avLst/>
-          </a:prstGeom>
-          <a:noFill/>
-        </p:spPr>
-        <p:txBody>
-          <a:bodyPr wrap="square" rtlCol="0">
-            <a:spAutoFit/>
-          </a:bodyPr>
-          <a:lstStyle/>
-          <a:p>
-            <a:pPr algn="ctr"/>
-            <a:r>
-              <a:rPr lang="en-US" sz="1100" dirty="0">
-                <a:solidFill>
-                  <a:schemeClr val="bg1"/>
-                </a:solidFill>
-                <a:latin typeface="Times New Roman" panose="02020603050405020304" pitchFamily="18" charset="0"/>
-                <a:cs typeface="Times New Roman" panose="02020603050405020304" pitchFamily="18" charset="0"/>
-              </a:rPr>
-              <a:t>Subnet</a:t>
-            </a:r>
-            <a:endParaRPr lang="en-IN" sz="1100" dirty="0">
-              <a:solidFill>
-                <a:schemeClr val="bg1"/>
-              </a:solidFill>
-              <a:latin typeface="Times New Roman" panose="02020603050405020304" pitchFamily="18" charset="0"/>
-              <a:cs typeface="Times New Roman" panose="02020603050405020304" pitchFamily="18" charset="0"/>
-            </a:endParaRPr>
-          </a:p>
-        </p:txBody>
-      </p:sp>
-      <p:sp>
-        <p:nvSpPr>
-          <p:cNvPr id="11" name="Oval 10">
-            <a:extLst>
-              <a:ext uri="{FF2B5EF4-FFF2-40B4-BE49-F238E27FC236}">
-                <a16:creationId xmlns:a16="http://schemas.microsoft.com/office/drawing/2014/main" id="{26C8B5D5-6302-C767-3CFC-25E01F5EAF13}"/>
-              </a:ext>
-            </a:extLst>
-          </p:cNvPr>
-          <p:cNvSpPr/>
-          <p:nvPr/>
-        </p:nvSpPr>
-        <p:spPr>
-          <a:xfrm>
-            <a:off x="2920248" y="3883436"/>
-            <a:ext cx="610159" cy="433981"/>
-          </a:xfrm>
-          <a:prstGeom prst="ellipse">
-            <a:avLst/>
-          </a:prstGeom>
-          <a:ln>
-            <a:headEnd type="none" w="med" len="med"/>
-            <a:tailEnd type="none" w="med" len="med"/>
-          </a:ln>
-        </p:spPr>
-        <p:style>
-          <a:lnRef idx="2">
-            <a:schemeClr val="dk1"/>
-          </a:lnRef>
-          <a:fillRef idx="1">
-            <a:schemeClr val="lt1"/>
-          </a:fillRef>
-          <a:effectRef idx="0">
-            <a:schemeClr val="dk1"/>
-          </a:effectRef>
-          <a:fontRef idx="minor">
-            <a:schemeClr val="dk1"/>
-          </a:fontRef>
-        </p:style>
-        <p:txBody>
-          <a:bodyPr rtlCol="0" anchor="ctr"/>
-          <a:lstStyle/>
-          <a:p>
-            <a:pPr algn="ctr"/>
-            <a:r>
-              <a:rPr lang="en-US" sz="1100" dirty="0"/>
-              <a:t>NFT</a:t>
-            </a:r>
-            <a:endParaRPr lang="en-IN" sz="1100" dirty="0"/>
-          </a:p>
-        </p:txBody>
-      </p:sp>
-      <p:sp>
-        <p:nvSpPr>
-          <p:cNvPr id="12" name="Rectangle: Rounded Corners 11">
-            <a:extLst>
-              <a:ext uri="{FF2B5EF4-FFF2-40B4-BE49-F238E27FC236}">
-                <a16:creationId xmlns:a16="http://schemas.microsoft.com/office/drawing/2014/main" id="{82B2FAF6-4BB9-3710-A76A-31348D336E0E}"/>
-              </a:ext>
-            </a:extLst>
-          </p:cNvPr>
-          <p:cNvSpPr/>
-          <p:nvPr/>
-        </p:nvSpPr>
-        <p:spPr>
-          <a:xfrm>
-            <a:off x="470782" y="3576447"/>
-            <a:ext cx="798797" cy="867961"/>
-          </a:xfrm>
-          <a:prstGeom prst="roundRect">
-            <a:avLst/>
-          </a:prstGeom>
-          <a:ln>
-            <a:headEnd type="none" w="med" len="med"/>
-            <a:tailEnd type="none" w="med" len="med"/>
-          </a:ln>
-        </p:spPr>
-        <p:style>
-          <a:lnRef idx="2">
-            <a:schemeClr val="accent1">
-              <a:shade val="15000"/>
-            </a:schemeClr>
-          </a:lnRef>
-          <a:fillRef idx="1">
-            <a:schemeClr val="accent1"/>
-          </a:fillRef>
-          <a:effectRef idx="0">
-            <a:schemeClr val="accent1"/>
-          </a:effectRef>
-          <a:fontRef idx="minor">
-            <a:schemeClr val="lt1"/>
-          </a:fontRef>
-        </p:style>
-        <p:txBody>
-          <a:bodyPr rtlCol="0" anchor="ctr"/>
-          <a:lstStyle/>
-          <a:p>
-            <a:pPr algn="ctr"/>
-            <a:endParaRPr lang="en-IN" sz="1100"/>
-          </a:p>
-        </p:txBody>
-      </p:sp>
-      <p:sp>
-        <p:nvSpPr>
-          <p:cNvPr id="13" name="Rectangle: Rounded Corners 12">
-            <a:extLst>
-              <a:ext uri="{FF2B5EF4-FFF2-40B4-BE49-F238E27FC236}">
-                <a16:creationId xmlns:a16="http://schemas.microsoft.com/office/drawing/2014/main" id="{0DCBB897-3888-F1DA-89CB-EAB9711322A8}"/>
-              </a:ext>
-            </a:extLst>
-          </p:cNvPr>
-          <p:cNvSpPr/>
-          <p:nvPr/>
-        </p:nvSpPr>
-        <p:spPr>
-          <a:xfrm>
-            <a:off x="4742062" y="3514947"/>
-            <a:ext cx="868309" cy="867961"/>
-          </a:xfrm>
-          <a:prstGeom prst="roundRect">
-            <a:avLst/>
-          </a:prstGeom>
-          <a:ln>
-            <a:headEnd type="none" w="med" len="med"/>
-            <a:tailEnd type="none" w="med" len="med"/>
-          </a:ln>
-        </p:spPr>
-        <p:style>
-          <a:lnRef idx="2">
-            <a:schemeClr val="accent1">
-              <a:shade val="15000"/>
-            </a:schemeClr>
-          </a:lnRef>
-          <a:fillRef idx="1">
-            <a:schemeClr val="accent1"/>
-          </a:fillRef>
-          <a:effectRef idx="0">
-            <a:schemeClr val="accent1"/>
-          </a:effectRef>
-          <a:fontRef idx="minor">
-            <a:schemeClr val="lt1"/>
-          </a:fontRef>
-        </p:style>
-        <p:txBody>
-          <a:bodyPr rtlCol="0" anchor="ctr"/>
-          <a:lstStyle/>
-          <a:p>
-            <a:pPr algn="ctr"/>
-            <a:endParaRPr lang="en-IN" sz="1100"/>
-          </a:p>
-        </p:txBody>
-      </p:sp>
-      <p:sp>
-        <p:nvSpPr>
-          <p:cNvPr id="14" name="TextBox 13">
-            <a:extLst>
-              <a:ext uri="{FF2B5EF4-FFF2-40B4-BE49-F238E27FC236}">
-                <a16:creationId xmlns:a16="http://schemas.microsoft.com/office/drawing/2014/main" id="{E1B55F7A-270D-C125-FC22-1ADDA35EF545}"/>
-              </a:ext>
-            </a:extLst>
-          </p:cNvPr>
-          <p:cNvSpPr txBox="1"/>
-          <p:nvPr/>
-        </p:nvSpPr>
-        <p:spPr>
-          <a:xfrm>
-            <a:off x="532928" y="3865616"/>
-            <a:ext cx="768354" cy="261610"/>
-          </a:xfrm>
-          <a:prstGeom prst="rect">
-            <a:avLst/>
-          </a:prstGeom>
-          <a:noFill/>
-        </p:spPr>
-        <p:txBody>
-          <a:bodyPr wrap="square" rtlCol="0">
-            <a:spAutoFit/>
-          </a:bodyPr>
-          <a:lstStyle/>
-          <a:p>
-            <a:r>
-              <a:rPr lang="en-US" sz="1100" dirty="0">
-                <a:solidFill>
-                  <a:schemeClr val="bg1"/>
-                </a:solidFill>
-                <a:latin typeface="Times New Roman" panose="02020603050405020304" pitchFamily="18" charset="0"/>
-                <a:cs typeface="Times New Roman" panose="02020603050405020304" pitchFamily="18" charset="0"/>
-              </a:rPr>
-              <a:t>Front-End</a:t>
-            </a:r>
-            <a:endParaRPr lang="en-IN" sz="1100" dirty="0">
-              <a:solidFill>
-                <a:schemeClr val="bg1"/>
-              </a:solidFill>
-              <a:latin typeface="Times New Roman" panose="02020603050405020304" pitchFamily="18" charset="0"/>
-              <a:cs typeface="Times New Roman" panose="02020603050405020304" pitchFamily="18" charset="0"/>
-            </a:endParaRPr>
-          </a:p>
-        </p:txBody>
-      </p:sp>
-      <p:cxnSp>
-        <p:nvCxnSpPr>
-          <p:cNvPr id="16" name="Straight Connector 15">
-            <a:extLst>
-              <a:ext uri="{FF2B5EF4-FFF2-40B4-BE49-F238E27FC236}">
-                <a16:creationId xmlns:a16="http://schemas.microsoft.com/office/drawing/2014/main" id="{9F85A730-4516-6CD0-F511-2DFB2846D997}"/>
-              </a:ext>
-            </a:extLst>
-          </p:cNvPr>
-          <p:cNvCxnSpPr>
-            <a:cxnSpLocks/>
-            <a:stCxn id="9" idx="2"/>
-            <a:endCxn id="10" idx="0"/>
-          </p:cNvCxnSpPr>
-          <p:nvPr/>
-        </p:nvCxnSpPr>
-        <p:spPr>
-          <a:xfrm flipH="1">
-            <a:off x="3250429" y="2304730"/>
-            <a:ext cx="0" cy="1299276"/>
-          </a:xfrm>
-          <a:prstGeom prst="line">
-            <a:avLst/>
-          </a:prstGeom>
-          <a:ln w="9525" cap="flat" cmpd="sng" algn="ctr">
-            <a:solidFill>
-              <a:schemeClr val="dk1"/>
-            </a:solidFill>
-            <a:prstDash val="dash"/>
-            <a:round/>
-            <a:headEnd type="none" w="med" len="med"/>
-            <a:tailEnd type="none" w="med" len="med"/>
-          </a:ln>
-        </p:spPr>
-        <p:style>
-          <a:lnRef idx="0">
-            <a:scrgbClr r="0" g="0" b="0"/>
-          </a:lnRef>
-          <a:fillRef idx="0">
-            <a:scrgbClr r="0" g="0" b="0"/>
-          </a:fillRef>
-          <a:effectRef idx="0">
-            <a:scrgbClr r="0" g="0" b="0"/>
-          </a:effectRef>
-          <a:fontRef idx="minor">
-            <a:schemeClr val="tx1"/>
-          </a:fontRef>
-        </p:style>
-      </p:cxnSp>
-      <p:cxnSp>
-        <p:nvCxnSpPr>
-          <p:cNvPr id="17" name="Straight Connector 16">
-            <a:extLst>
-              <a:ext uri="{FF2B5EF4-FFF2-40B4-BE49-F238E27FC236}">
-                <a16:creationId xmlns:a16="http://schemas.microsoft.com/office/drawing/2014/main" id="{2A585A0C-CAD1-46A6-7C42-C3F8F4B3390C}"/>
-              </a:ext>
-            </a:extLst>
-          </p:cNvPr>
-          <p:cNvCxnSpPr>
-            <a:cxnSpLocks/>
-            <a:stCxn id="12" idx="3"/>
-            <a:endCxn id="7" idx="1"/>
-          </p:cNvCxnSpPr>
-          <p:nvPr/>
-        </p:nvCxnSpPr>
-        <p:spPr>
-          <a:xfrm flipV="1">
-            <a:off x="1269579" y="4007669"/>
-            <a:ext cx="1569284" cy="2759"/>
-          </a:xfrm>
-          <a:prstGeom prst="line">
-            <a:avLst/>
-          </a:prstGeom>
-          <a:ln w="9525" cap="flat" cmpd="sng" algn="ctr">
-            <a:solidFill>
-              <a:schemeClr val="dk1"/>
-            </a:solidFill>
-            <a:prstDash val="dash"/>
-            <a:round/>
-            <a:headEnd type="none" w="med" len="med"/>
-            <a:tailEnd type="none" w="med" len="med"/>
-          </a:ln>
-        </p:spPr>
-        <p:style>
-          <a:lnRef idx="0">
-            <a:scrgbClr r="0" g="0" b="0"/>
-          </a:lnRef>
-          <a:fillRef idx="0">
-            <a:scrgbClr r="0" g="0" b="0"/>
-          </a:fillRef>
-          <a:effectRef idx="0">
-            <a:scrgbClr r="0" g="0" b="0"/>
-          </a:effectRef>
-          <a:fontRef idx="minor">
-            <a:schemeClr val="tx1"/>
-          </a:fontRef>
-        </p:style>
-      </p:cxnSp>
-      <p:sp>
-        <p:nvSpPr>
-          <p:cNvPr id="18" name="Rectangle 17">
-            <a:extLst>
-              <a:ext uri="{FF2B5EF4-FFF2-40B4-BE49-F238E27FC236}">
-                <a16:creationId xmlns:a16="http://schemas.microsoft.com/office/drawing/2014/main" id="{D5ACDE10-43FE-7B94-BB33-3E16D7A9C36C}"/>
-              </a:ext>
-            </a:extLst>
-          </p:cNvPr>
-          <p:cNvSpPr/>
-          <p:nvPr/>
-        </p:nvSpPr>
-        <p:spPr>
-          <a:xfrm>
-            <a:off x="1424209" y="3876738"/>
-            <a:ext cx="1397892" cy="267378"/>
-          </a:xfrm>
-          <a:prstGeom prst="rect">
-            <a:avLst/>
-          </a:prstGeom>
-          <a:noFill/>
-          <a:ln>
-            <a:noFill/>
-          </a:ln>
-        </p:spPr>
-        <p:style>
-          <a:lnRef idx="0">
-            <a:scrgbClr r="0" g="0" b="0"/>
-          </a:lnRef>
-          <a:fillRef idx="0">
-            <a:scrgbClr r="0" g="0" b="0"/>
-          </a:fillRef>
-          <a:effectRef idx="0">
-            <a:scrgbClr r="0" g="0" b="0"/>
-          </a:effectRef>
-          <a:fontRef idx="minor">
-            <a:schemeClr val="dk1"/>
-          </a:fontRef>
-        </p:style>
-        <p:txBody>
-          <a:bodyPr rtlCol="0" anchor="ctr"/>
-          <a:lstStyle/>
-          <a:p>
-            <a:pPr algn="ctr"/>
-            <a:r>
-              <a:rPr lang="en-US" sz="1100" dirty="0">
-                <a:latin typeface="Times New Roman" panose="02020603050405020304" pitchFamily="18" charset="0"/>
-                <a:cs typeface="Times New Roman" panose="02020603050405020304" pitchFamily="18" charset="0"/>
-              </a:rPr>
-              <a:t>requestVerification</a:t>
-            </a:r>
-            <a:endParaRPr lang="en-IN" sz="1100" dirty="0">
-              <a:latin typeface="Times New Roman" panose="02020603050405020304" pitchFamily="18" charset="0"/>
-              <a:cs typeface="Times New Roman" panose="02020603050405020304" pitchFamily="18" charset="0"/>
-            </a:endParaRPr>
-          </a:p>
-        </p:txBody>
-      </p:sp>
-      <p:cxnSp>
-        <p:nvCxnSpPr>
-          <p:cNvPr id="19" name="Straight Connector 18">
-            <a:extLst>
-              <a:ext uri="{FF2B5EF4-FFF2-40B4-BE49-F238E27FC236}">
-                <a16:creationId xmlns:a16="http://schemas.microsoft.com/office/drawing/2014/main" id="{3F74F4E9-F0DF-9E95-4EBF-FC438C8E0AD9}"/>
-              </a:ext>
-            </a:extLst>
-          </p:cNvPr>
-          <p:cNvCxnSpPr>
-            <a:cxnSpLocks/>
-          </p:cNvCxnSpPr>
-          <p:nvPr/>
-        </p:nvCxnSpPr>
-        <p:spPr>
-          <a:xfrm>
-            <a:off x="2179754" y="1501569"/>
-            <a:ext cx="0" cy="3854862"/>
-          </a:xfrm>
-          <a:prstGeom prst="line">
-            <a:avLst/>
-          </a:prstGeom>
-          <a:ln w="9525" cap="flat" cmpd="sng" algn="ctr">
-            <a:solidFill>
-              <a:schemeClr val="dk1"/>
-            </a:solidFill>
-            <a:prstDash val="dash"/>
-            <a:round/>
-            <a:headEnd type="none" w="med" len="med"/>
-            <a:tailEnd type="none" w="med" len="med"/>
-          </a:ln>
-        </p:spPr>
-        <p:style>
-          <a:lnRef idx="0">
-            <a:scrgbClr r="0" g="0" b="0"/>
-          </a:lnRef>
-          <a:fillRef idx="0">
-            <a:scrgbClr r="0" g="0" b="0"/>
-          </a:fillRef>
-          <a:effectRef idx="0">
-            <a:scrgbClr r="0" g="0" b="0"/>
-          </a:effectRef>
-          <a:fontRef idx="minor">
-            <a:schemeClr val="tx1"/>
-          </a:fontRef>
-        </p:style>
-      </p:cxnSp>
-      <p:sp>
-        <p:nvSpPr>
-          <p:cNvPr id="20" name="Rectangle 19">
-            <a:extLst>
-              <a:ext uri="{FF2B5EF4-FFF2-40B4-BE49-F238E27FC236}">
-                <a16:creationId xmlns:a16="http://schemas.microsoft.com/office/drawing/2014/main" id="{AAA804FF-BD14-1132-3BF2-D0D29FD80C68}"/>
-              </a:ext>
-            </a:extLst>
-          </p:cNvPr>
-          <p:cNvSpPr/>
-          <p:nvPr/>
-        </p:nvSpPr>
-        <p:spPr>
-          <a:xfrm>
-            <a:off x="252002" y="4748245"/>
-            <a:ext cx="1920226" cy="284704"/>
-          </a:xfrm>
-          <a:prstGeom prst="rect">
-            <a:avLst/>
-          </a:prstGeom>
-          <a:noFill/>
-          <a:ln>
-            <a:noFill/>
-          </a:ln>
-        </p:spPr>
-        <p:style>
-          <a:lnRef idx="0">
-            <a:scrgbClr r="0" g="0" b="0"/>
-          </a:lnRef>
-          <a:fillRef idx="0">
-            <a:scrgbClr r="0" g="0" b="0"/>
-          </a:fillRef>
-          <a:effectRef idx="0">
-            <a:scrgbClr r="0" g="0" b="0"/>
-          </a:effectRef>
-          <a:fontRef idx="minor">
-            <a:schemeClr val="dk1"/>
-          </a:fontRef>
-        </p:style>
-        <p:txBody>
-          <a:bodyPr rtlCol="0" anchor="ctr"/>
-          <a:lstStyle/>
-          <a:p>
-            <a:pPr algn="ctr"/>
-            <a:r>
-              <a:rPr lang="en-US" sz="1100" dirty="0">
-                <a:latin typeface="Times New Roman" panose="02020603050405020304" pitchFamily="18" charset="0"/>
-                <a:cs typeface="Times New Roman" panose="02020603050405020304" pitchFamily="18" charset="0"/>
-              </a:rPr>
-              <a:t>Send in propID &amp; OwnerID return true/false</a:t>
-            </a:r>
-            <a:endParaRPr lang="en-IN" sz="1100" dirty="0">
-              <a:latin typeface="Times New Roman" panose="02020603050405020304" pitchFamily="18" charset="0"/>
-              <a:cs typeface="Times New Roman" panose="02020603050405020304" pitchFamily="18" charset="0"/>
-            </a:endParaRPr>
-          </a:p>
-        </p:txBody>
-      </p:sp>
-      <p:cxnSp>
-        <p:nvCxnSpPr>
-          <p:cNvPr id="21" name="Straight Arrow Connector 20">
-            <a:extLst>
-              <a:ext uri="{FF2B5EF4-FFF2-40B4-BE49-F238E27FC236}">
-                <a16:creationId xmlns:a16="http://schemas.microsoft.com/office/drawing/2014/main" id="{B68753B3-F3C4-23ED-79B3-2E3F6085565C}"/>
-              </a:ext>
-            </a:extLst>
-          </p:cNvPr>
-          <p:cNvCxnSpPr>
-            <a:cxnSpLocks/>
-            <a:stCxn id="13" idx="1"/>
-            <a:endCxn id="7" idx="3"/>
-          </p:cNvCxnSpPr>
-          <p:nvPr/>
-        </p:nvCxnSpPr>
-        <p:spPr>
-          <a:xfrm flipH="1">
-            <a:off x="3637660" y="3948928"/>
-            <a:ext cx="1104402" cy="0"/>
-          </a:xfrm>
-          <a:prstGeom prst="straightConnector1">
-            <a:avLst/>
-          </a:prstGeom>
-          <a:ln>
-            <a:tailEnd type="triangle"/>
-          </a:ln>
-        </p:spPr>
-        <p:style>
-          <a:lnRef idx="1">
-            <a:schemeClr val="dk1"/>
-          </a:lnRef>
-          <a:fillRef idx="0">
-            <a:schemeClr val="dk1"/>
-          </a:fillRef>
-          <a:effectRef idx="0">
-            <a:schemeClr val="dk1"/>
-          </a:effectRef>
-          <a:fontRef idx="minor">
-            <a:schemeClr val="tx1"/>
-          </a:fontRef>
-        </p:style>
-      </p:cxnSp>
-      <p:sp>
-        <p:nvSpPr>
-          <p:cNvPr id="26" name="TextBox 25">
-            <a:extLst>
-              <a:ext uri="{FF2B5EF4-FFF2-40B4-BE49-F238E27FC236}">
-                <a16:creationId xmlns:a16="http://schemas.microsoft.com/office/drawing/2014/main" id="{C5AAFA61-BEFC-14F9-C670-76DECAAEB59F}"/>
-              </a:ext>
-            </a:extLst>
-          </p:cNvPr>
-          <p:cNvSpPr txBox="1"/>
-          <p:nvPr/>
-        </p:nvSpPr>
-        <p:spPr>
-          <a:xfrm>
-            <a:off x="6414382" y="1530221"/>
-            <a:ext cx="5295331" cy="4524315"/>
-          </a:xfrm>
-          <a:prstGeom prst="rect">
-            <a:avLst/>
-          </a:prstGeom>
-          <a:noFill/>
-        </p:spPr>
-        <p:txBody>
-          <a:bodyPr wrap="square" rtlCol="0">
-            <a:spAutoFit/>
-          </a:bodyPr>
-          <a:lstStyle/>
-          <a:p>
-            <a:r>
-              <a:rPr lang="en-US" b="1" dirty="0">
-                <a:solidFill>
-                  <a:schemeClr val="bg1"/>
-                </a:solidFill>
-                <a:latin typeface="Times New Roman" panose="02020603050405020304" pitchFamily="18" charset="0"/>
-                <a:cs typeface="Times New Roman" panose="02020603050405020304" pitchFamily="18" charset="0"/>
-              </a:rPr>
-              <a:t>Advantages of using a Subnet:</a:t>
-            </a:r>
-          </a:p>
-          <a:p>
-            <a:endParaRPr lang="en-US" b="1" dirty="0">
-              <a:solidFill>
-                <a:schemeClr val="bg1"/>
-              </a:solidFill>
-              <a:latin typeface="Times New Roman" panose="02020603050405020304" pitchFamily="18" charset="0"/>
-              <a:cs typeface="Times New Roman" panose="02020603050405020304" pitchFamily="18" charset="0"/>
-            </a:endParaRPr>
-          </a:p>
-          <a:p>
-            <a:pPr marL="285750" indent="-285750">
-              <a:buFont typeface="Arial" panose="020B0604020202020204" pitchFamily="34" charset="0"/>
-              <a:buChar char="•"/>
-            </a:pPr>
-            <a:r>
-              <a:rPr lang="en-US" b="1" dirty="0">
-                <a:solidFill>
-                  <a:schemeClr val="bg1"/>
-                </a:solidFill>
-                <a:latin typeface="Times New Roman" panose="02020603050405020304" pitchFamily="18" charset="0"/>
-                <a:cs typeface="Times New Roman" panose="02020603050405020304" pitchFamily="18" charset="0"/>
-              </a:rPr>
-              <a:t>Enterprise registries can control data and the authentic RWAs in a private enterprise setting</a:t>
-            </a:r>
-          </a:p>
-          <a:p>
-            <a:endParaRPr lang="en-US" b="1" dirty="0">
-              <a:solidFill>
-                <a:schemeClr val="bg1"/>
-              </a:solidFill>
-              <a:latin typeface="Times New Roman" panose="02020603050405020304" pitchFamily="18" charset="0"/>
-              <a:cs typeface="Times New Roman" panose="02020603050405020304" pitchFamily="18" charset="0"/>
-            </a:endParaRPr>
-          </a:p>
-          <a:p>
-            <a:pPr marL="285750" indent="-285750">
-              <a:buFont typeface="Arial" panose="020B0604020202020204" pitchFamily="34" charset="0"/>
-              <a:buChar char="•"/>
-            </a:pPr>
-            <a:r>
-              <a:rPr lang="en-US" b="1" dirty="0">
-                <a:solidFill>
-                  <a:schemeClr val="bg1"/>
-                </a:solidFill>
-                <a:latin typeface="Times New Roman" panose="02020603050405020304" pitchFamily="18" charset="0"/>
-                <a:cs typeface="Times New Roman" panose="02020603050405020304" pitchFamily="18" charset="0"/>
-              </a:rPr>
-              <a:t>Data can be controlled for consumption across subnets ( public and other private )</a:t>
-            </a:r>
-            <a:br>
-              <a:rPr lang="en-US" b="1" dirty="0">
-                <a:solidFill>
-                  <a:schemeClr val="bg1"/>
-                </a:solidFill>
-                <a:latin typeface="Times New Roman" panose="02020603050405020304" pitchFamily="18" charset="0"/>
-                <a:cs typeface="Times New Roman" panose="02020603050405020304" pitchFamily="18" charset="0"/>
-              </a:rPr>
-            </a:br>
-            <a:r>
-              <a:rPr lang="en-US" b="1" dirty="0">
-                <a:solidFill>
-                  <a:schemeClr val="bg1"/>
-                </a:solidFill>
-                <a:latin typeface="Times New Roman" panose="02020603050405020304" pitchFamily="18" charset="0"/>
-                <a:cs typeface="Times New Roman" panose="02020603050405020304" pitchFamily="18" charset="0"/>
-              </a:rPr>
-              <a:t>Greatly increases security and privacy</a:t>
-            </a:r>
-            <a:br>
-              <a:rPr lang="en-US" b="1" dirty="0">
-                <a:solidFill>
-                  <a:schemeClr val="bg1"/>
-                </a:solidFill>
-                <a:latin typeface="Times New Roman" panose="02020603050405020304" pitchFamily="18" charset="0"/>
-                <a:cs typeface="Times New Roman" panose="02020603050405020304" pitchFamily="18" charset="0"/>
-              </a:rPr>
-            </a:br>
-            <a:r>
-              <a:rPr lang="en-US" b="1" dirty="0">
-                <a:solidFill>
-                  <a:schemeClr val="bg1"/>
-                </a:solidFill>
-                <a:latin typeface="Times New Roman" panose="02020603050405020304" pitchFamily="18" charset="0"/>
-                <a:cs typeface="Times New Roman" panose="02020603050405020304" pitchFamily="18" charset="0"/>
-              </a:rPr>
-              <a:t>Regulators and Institutions might favor</a:t>
-            </a:r>
-          </a:p>
-          <a:p>
-            <a:endParaRPr lang="en-US" b="1" dirty="0">
-              <a:solidFill>
-                <a:schemeClr val="bg1"/>
-              </a:solidFill>
-              <a:latin typeface="Times New Roman" panose="02020603050405020304" pitchFamily="18" charset="0"/>
-              <a:cs typeface="Times New Roman" panose="02020603050405020304" pitchFamily="18" charset="0"/>
-            </a:endParaRPr>
-          </a:p>
-          <a:p>
-            <a:pPr marL="285750" indent="-285750">
-              <a:buFont typeface="Arial" panose="020B0604020202020204" pitchFamily="34" charset="0"/>
-              <a:buChar char="•"/>
-            </a:pPr>
-            <a:r>
-              <a:rPr lang="en-US" b="1" dirty="0">
-                <a:solidFill>
-                  <a:schemeClr val="bg1"/>
-                </a:solidFill>
-                <a:latin typeface="Times New Roman" panose="02020603050405020304" pitchFamily="18" charset="0"/>
-                <a:cs typeface="Times New Roman" panose="02020603050405020304" pitchFamily="18" charset="0"/>
-              </a:rPr>
-              <a:t>Can deploy separate subnets for different parties (other registries, lenders, etc.)</a:t>
-            </a:r>
-            <a:br>
-              <a:rPr lang="en-US" b="1" dirty="0">
-                <a:solidFill>
-                  <a:schemeClr val="bg1"/>
-                </a:solidFill>
-                <a:latin typeface="Times New Roman" panose="02020603050405020304" pitchFamily="18" charset="0"/>
-                <a:cs typeface="Times New Roman" panose="02020603050405020304" pitchFamily="18" charset="0"/>
-              </a:rPr>
-            </a:br>
-            <a:br>
-              <a:rPr lang="en-US" b="1" dirty="0">
-                <a:solidFill>
-                  <a:schemeClr val="bg1"/>
-                </a:solidFill>
-                <a:latin typeface="Times New Roman" panose="02020603050405020304" pitchFamily="18" charset="0"/>
-                <a:cs typeface="Times New Roman" panose="02020603050405020304" pitchFamily="18" charset="0"/>
-              </a:rPr>
-            </a:br>
-            <a:br>
-              <a:rPr lang="en-US" b="0" dirty="0">
-                <a:solidFill>
-                  <a:schemeClr val="bg1"/>
-                </a:solidFill>
-                <a:latin typeface="Times New Roman" panose="02020603050405020304" pitchFamily="18" charset="0"/>
-                <a:cs typeface="Times New Roman" panose="02020603050405020304" pitchFamily="18" charset="0"/>
-              </a:rPr>
-            </a:br>
-            <a:br>
-              <a:rPr lang="en-IN" dirty="0">
-                <a:solidFill>
-                  <a:schemeClr val="bg1"/>
-                </a:solidFill>
-                <a:latin typeface="Times New Roman" panose="02020603050405020304" pitchFamily="18" charset="0"/>
-                <a:cs typeface="Times New Roman" panose="02020603050405020304" pitchFamily="18" charset="0"/>
-              </a:rPr>
-            </a:br>
-            <a:endParaRPr lang="en-IN" dirty="0">
-              <a:solidFill>
-                <a:schemeClr val="bg1"/>
-              </a:solidFill>
-              <a:latin typeface="Times New Roman" panose="02020603050405020304" pitchFamily="18" charset="0"/>
-              <a:cs typeface="Times New Roman" panose="02020603050405020304" pitchFamily="18" charset="0"/>
-            </a:endParaRPr>
-          </a:p>
-        </p:txBody>
-      </p:sp>
-      <p:sp>
-        <p:nvSpPr>
-          <p:cNvPr id="28" name="TextBox 27">
-            <a:extLst>
-              <a:ext uri="{FF2B5EF4-FFF2-40B4-BE49-F238E27FC236}">
-                <a16:creationId xmlns:a16="http://schemas.microsoft.com/office/drawing/2014/main" id="{DEBCB7C8-5AE7-F1F3-2686-4189996EB1D9}"/>
-              </a:ext>
-            </a:extLst>
-          </p:cNvPr>
-          <p:cNvSpPr txBox="1"/>
-          <p:nvPr/>
-        </p:nvSpPr>
-        <p:spPr>
-          <a:xfrm>
-            <a:off x="4725300" y="3648845"/>
-            <a:ext cx="868309" cy="600164"/>
-          </a:xfrm>
-          <a:prstGeom prst="rect">
-            <a:avLst/>
-          </a:prstGeom>
-          <a:noFill/>
-        </p:spPr>
-        <p:txBody>
-          <a:bodyPr wrap="square" rtlCol="0">
-            <a:spAutoFit/>
-          </a:bodyPr>
-          <a:lstStyle/>
-          <a:p>
-            <a:r>
-              <a:rPr lang="en-US" sz="1100" dirty="0">
-                <a:solidFill>
-                  <a:schemeClr val="bg1"/>
-                </a:solidFill>
-                <a:latin typeface="Times New Roman" panose="02020603050405020304" pitchFamily="18" charset="0"/>
-                <a:cs typeface="Times New Roman" panose="02020603050405020304" pitchFamily="18" charset="0"/>
-              </a:rPr>
-              <a:t>Registry:</a:t>
-            </a:r>
-          </a:p>
-          <a:p>
-            <a:r>
-              <a:rPr lang="en-US" sz="1100" dirty="0">
-                <a:solidFill>
-                  <a:schemeClr val="bg1"/>
-                </a:solidFill>
-                <a:latin typeface="Times New Roman" panose="02020603050405020304" pitchFamily="18" charset="0"/>
-                <a:cs typeface="Times New Roman" panose="02020603050405020304" pitchFamily="18" charset="0"/>
-              </a:rPr>
-              <a:t>Property ID</a:t>
-            </a:r>
-          </a:p>
-          <a:p>
-            <a:r>
-              <a:rPr lang="en-US" sz="1100" dirty="0">
-                <a:solidFill>
-                  <a:schemeClr val="bg1"/>
-                </a:solidFill>
-                <a:latin typeface="Times New Roman" panose="02020603050405020304" pitchFamily="18" charset="0"/>
-                <a:cs typeface="Times New Roman" panose="02020603050405020304" pitchFamily="18" charset="0"/>
-              </a:rPr>
-              <a:t>Owner ID</a:t>
-            </a:r>
-            <a:endParaRPr lang="en-IN" sz="1100" dirty="0">
-              <a:solidFill>
-                <a:schemeClr val="bg1"/>
-              </a:solidFill>
-              <a:latin typeface="Times New Roman" panose="02020603050405020304" pitchFamily="18" charset="0"/>
-              <a:cs typeface="Times New Roman" panose="02020603050405020304" pitchFamily="18" charset="0"/>
-            </a:endParaRPr>
-          </a:p>
-        </p:txBody>
-      </p:sp>
+        </p:spPr>
+      </p:pic>
     </p:spTree>
     <p:extLst>
       <p:ext uri="{BB962C8B-B14F-4D97-AF65-F5344CB8AC3E}">
         <p14:creationId xmlns:p14="http://schemas.microsoft.com/office/powerpoint/2010/main" val="217405132"/>
+      </p:ext>
+    </p:extLst>
+  </p:cSld>
+  <p:clrMapOvr>
+    <a:masterClrMapping/>
+  </p:clrMapOvr>
+</p:sld>
+</file>
+
+<file path=ppt/slides/slide9.xml><?xml version="1.0" encoding="utf-8"?>
+<p:sld xmlns:a="http://schemas.openxmlformats.org/drawingml/2006/main" xmlns:r="http://schemas.openxmlformats.org/officeDocument/2006/relationships" xmlns:p="http://schemas.openxmlformats.org/presentationml/2006/main">
+  <p:cSld>
+    <p:spTree>
+      <p:nvGrpSpPr>
+        <p:cNvPr id="1" name=""/>
+        <p:cNvGrpSpPr/>
+        <p:nvPr/>
+      </p:nvGrpSpPr>
+      <p:grpSpPr>
+        <a:xfrm>
+          <a:off x="0" y="0"/>
+          <a:ext cx="0" cy="0"/>
+          <a:chOff x="0" y="0"/>
+          <a:chExt cx="0" cy="0"/>
+        </a:xfrm>
+      </p:grpSpPr>
+      <p:sp>
+        <p:nvSpPr>
+          <p:cNvPr id="5" name="Title 4">
+            <a:extLst>
+              <a:ext uri="{FF2B5EF4-FFF2-40B4-BE49-F238E27FC236}">
+                <a16:creationId xmlns:a16="http://schemas.microsoft.com/office/drawing/2014/main" id="{E145EF53-2244-CD40-B43B-6992FD8CE26C}"/>
+              </a:ext>
+            </a:extLst>
+          </p:cNvPr>
+          <p:cNvSpPr>
+            <a:spLocks noGrp="1"/>
+          </p:cNvSpPr>
+          <p:nvPr>
+            <p:ph type="title"/>
+          </p:nvPr>
+        </p:nvSpPr>
+        <p:spPr/>
+        <p:txBody>
+          <a:bodyPr/>
+          <a:lstStyle/>
+          <a:p>
+            <a:r>
+              <a:rPr lang="en-US" dirty="0"/>
+              <a:t>Deployment of subnet and contract</a:t>
+            </a:r>
+          </a:p>
+        </p:txBody>
+      </p:sp>
+      <p:pic>
+        <p:nvPicPr>
+          <p:cNvPr id="8" name="Content Placeholder 7" descr="A screenshot of a computer&#10;&#10;Description automatically generated">
+            <a:extLst>
+              <a:ext uri="{FF2B5EF4-FFF2-40B4-BE49-F238E27FC236}">
+                <a16:creationId xmlns:a16="http://schemas.microsoft.com/office/drawing/2014/main" id="{04D4D1DA-7629-B17E-4F07-C469EF50A685}"/>
+              </a:ext>
+            </a:extLst>
+          </p:cNvPr>
+          <p:cNvPicPr>
+            <a:picLocks noGrp="1" noChangeAspect="1"/>
+          </p:cNvPicPr>
+          <p:nvPr>
+            <p:ph idx="1"/>
+          </p:nvPr>
+        </p:nvPicPr>
+        <p:blipFill>
+          <a:blip r:embed="rId2"/>
+          <a:stretch>
+            <a:fillRect/>
+          </a:stretch>
+        </p:blipFill>
+        <p:spPr>
+          <a:xfrm>
+            <a:off x="2298581" y="1233488"/>
+            <a:ext cx="7666275" cy="4943475"/>
+          </a:xfrm>
+        </p:spPr>
+      </p:pic>
+    </p:spTree>
+    <p:extLst>
+      <p:ext uri="{BB962C8B-B14F-4D97-AF65-F5344CB8AC3E}">
+        <p14:creationId xmlns:p14="http://schemas.microsoft.com/office/powerpoint/2010/main" val="237238397"/>
       </p:ext>
     </p:extLst>
   </p:cSld>
